--- a/chris_larson/apache-poi/SampleSS-updated.pptx
+++ b/chris_larson/apache-poi/SampleSS-updated.pptx
@@ -2,12 +2,13 @@
 <file path=ppt/presentation.xml><?xml version="1.0" encoding="utf-8"?>
 <p:presentation xmlns:a="http://schemas.openxmlformats.org/drawingml/2006/main" xmlns:p="http://schemas.openxmlformats.org/presentationml/2006/main" xmlns:r="http://schemas.openxmlformats.org/officeDocument/2006/relationships" saveSubsetFonts="1">
   <p:sldMasterIdLst>
-    <p:sldMasterId id="2147483648" r:id="rId1"/>
+    <p:sldMasterId id="2147483660" r:id="rId1"/>
   </p:sldMasterIdLst>
   <p:sldIdLst>
-    <p:sldId id="256" r:id="rId6"/>
+    <p:sldId id="256" r:id="rId2"/>
+    <p:sldId id="257" r:id="rId8"/>
   </p:sldIdLst>
-  <p:sldSz cx="9144000" cy="6858000" type="screen4x3"/>
+  <p:sldSz cx="12192000" cy="6858000"/>
   <p:notesSz cx="6858000" cy="9144000"/>
   <p:defaultTextStyle>
     <a:defPPr>
@@ -104,7 +105,20 @@
       </a:defRPr>
     </a:lvl9pPr>
   </p:defaultTextStyle>
+  <p:extLst>
+    <p:ext uri="{EFAFB233-063F-42B5-8137-9DF3F51BA10A}">
+      <p15:sldGuideLst xmlns:p15="http://schemas.microsoft.com/office/powerpoint/2012/main"/>
+    </p:ext>
+  </p:extLst>
 </p:presentation>
+</file>
+
+<file path=ppt/revisionInfo.xml><?xml version="1.0" encoding="utf-8"?>
+<p1510:revInfo xmlns:a="http://schemas.openxmlformats.org/drawingml/2006/main" xmlns:r="http://schemas.openxmlformats.org/officeDocument/2006/relationships" xmlns:p1510="http://schemas.microsoft.com/office/powerpoint/2015/10/main">
+  <p1510:revLst>
+    <p1510:client id="{AA9DF97B-B668-4A74-B136-EFD882F6948D}" v="6" dt="2018-07-09T15:12:42.042"/>
+  </p1510:revLst>
+</p1510:revInfo>
 </file>
 
 <file path=ppt/slideLayouts/slideLayout1.xml><?xml version="1.0" encoding="utf-8"?>
@@ -136,19 +150,22 @@
         </p:nvSpPr>
         <p:spPr>
           <a:xfrm>
-            <a:off x="685800" y="2130425"/>
-            <a:ext cx="7772400" cy="1470025"/>
+            <a:off x="1524000" y="1122363"/>
+            <a:ext cx="9144000" cy="2387600"/>
           </a:xfrm>
         </p:spPr>
         <p:txBody>
-          <a:bodyPr/>
-          <a:lstStyle/>
-          <a:p>
-            <a:r>
-              <a:rPr lang="en-US" smtClean="0"/>
+          <a:bodyPr anchor="b"/>
+          <a:lstStyle>
+            <a:lvl1pPr algn="ctr">
+              <a:defRPr sz="6000"/>
+            </a:lvl1pPr>
+          </a:lstStyle>
+          <a:p>
+            <a:r>
+              <a:rPr lang="en-US"/>
               <a:t>Click to edit Master title style</a:t>
             </a:r>
-            <a:endParaRPr lang="en-US"/>
           </a:p>
         </p:txBody>
       </p:sp>
@@ -164,8 +181,8 @@
         </p:nvSpPr>
         <p:spPr>
           <a:xfrm>
-            <a:off x="1371600" y="3886200"/>
-            <a:ext cx="6400800" cy="1752600"/>
+            <a:off x="1524000" y="3602038"/>
+            <a:ext cx="9144000" cy="1655762"/>
           </a:xfrm>
         </p:spPr>
         <p:txBody>
@@ -173,165 +190,108 @@
           <a:lstStyle>
             <a:lvl1pPr algn="ctr" indent="0" marL="0">
               <a:buNone/>
-              <a:defRPr>
-                <a:solidFill>
-                  <a:schemeClr val="tx1">
-                    <a:tint val="75000"/>
-                  </a:schemeClr>
-                </a:solidFill>
-              </a:defRPr>
+              <a:defRPr sz="2400"/>
             </a:lvl1pPr>
             <a:lvl2pPr algn="ctr" indent="0" marL="457200">
               <a:buNone/>
-              <a:defRPr>
-                <a:solidFill>
-                  <a:schemeClr val="tx1">
-                    <a:tint val="75000"/>
-                  </a:schemeClr>
-                </a:solidFill>
-              </a:defRPr>
+              <a:defRPr sz="2000"/>
             </a:lvl2pPr>
             <a:lvl3pPr algn="ctr" indent="0" marL="914400">
               <a:buNone/>
-              <a:defRPr>
-                <a:solidFill>
-                  <a:schemeClr val="tx1">
-                    <a:tint val="75000"/>
-                  </a:schemeClr>
-                </a:solidFill>
-              </a:defRPr>
+              <a:defRPr sz="1800"/>
             </a:lvl3pPr>
             <a:lvl4pPr algn="ctr" indent="0" marL="1371600">
               <a:buNone/>
-              <a:defRPr>
-                <a:solidFill>
-                  <a:schemeClr val="tx1">
-                    <a:tint val="75000"/>
-                  </a:schemeClr>
-                </a:solidFill>
-              </a:defRPr>
+              <a:defRPr sz="1600"/>
             </a:lvl4pPr>
             <a:lvl5pPr algn="ctr" indent="0" marL="1828800">
               <a:buNone/>
-              <a:defRPr>
-                <a:solidFill>
-                  <a:schemeClr val="tx1">
-                    <a:tint val="75000"/>
-                  </a:schemeClr>
-                </a:solidFill>
-              </a:defRPr>
+              <a:defRPr sz="1600"/>
             </a:lvl5pPr>
             <a:lvl6pPr algn="ctr" indent="0" marL="2286000">
               <a:buNone/>
-              <a:defRPr>
-                <a:solidFill>
-                  <a:schemeClr val="tx1">
-                    <a:tint val="75000"/>
-                  </a:schemeClr>
-                </a:solidFill>
-              </a:defRPr>
+              <a:defRPr sz="1600"/>
             </a:lvl6pPr>
             <a:lvl7pPr algn="ctr" indent="0" marL="2743200">
               <a:buNone/>
-              <a:defRPr>
-                <a:solidFill>
-                  <a:schemeClr val="tx1">
-                    <a:tint val="75000"/>
-                  </a:schemeClr>
-                </a:solidFill>
-              </a:defRPr>
+              <a:defRPr sz="1600"/>
             </a:lvl7pPr>
             <a:lvl8pPr algn="ctr" indent="0" marL="3200400">
               <a:buNone/>
-              <a:defRPr>
-                <a:solidFill>
-                  <a:schemeClr val="tx1">
-                    <a:tint val="75000"/>
-                  </a:schemeClr>
-                </a:solidFill>
-              </a:defRPr>
+              <a:defRPr sz="1600"/>
             </a:lvl8pPr>
             <a:lvl9pPr algn="ctr" indent="0" marL="3657600">
               <a:buNone/>
-              <a:defRPr>
-                <a:solidFill>
-                  <a:schemeClr val="tx1">
-                    <a:tint val="75000"/>
-                  </a:schemeClr>
-                </a:solidFill>
-              </a:defRPr>
+              <a:defRPr sz="1600"/>
             </a:lvl9pPr>
           </a:lstStyle>
           <a:p>
             <a:r>
+              <a:rPr lang="en-US"/>
+              <a:t>Click to edit Master subtitle style</a:t>
+            </a:r>
+          </a:p>
+        </p:txBody>
+      </p:sp>
+      <p:sp>
+        <p:nvSpPr>
+          <p:cNvPr id="4" name="Date Placeholder 3"/>
+          <p:cNvSpPr>
+            <a:spLocks noGrp="1"/>
+          </p:cNvSpPr>
+          <p:nvPr>
+            <p:ph idx="10" sz="half" type="dt"/>
+          </p:nvPr>
+        </p:nvSpPr>
+        <p:spPr/>
+        <p:txBody>
+          <a:bodyPr/>
+          <a:lstStyle/>
+          <a:p>
+            <a:fld id="{846CE7D5-CF57-46EF-B807-FDD0502418D4}" type="datetimeFigureOut">
               <a:rPr lang="en-US" smtClean="0"/>
-              <a:t>Click to edit Master subtitle style</a:t>
-            </a:r>
-            <a:endParaRPr lang="en-US"/>
-          </a:p>
-        </p:txBody>
-      </p:sp>
-      <p:sp>
-        <p:nvSpPr>
-          <p:cNvPr id="4" name="Date Placeholder 3"/>
-          <p:cNvSpPr>
-            <a:spLocks noGrp="1"/>
-          </p:cNvSpPr>
-          <p:nvPr>
-            <p:ph idx="10" sz="half" type="dt"/>
-          </p:nvPr>
-        </p:nvSpPr>
-        <p:spPr/>
-        <p:txBody>
-          <a:bodyPr/>
-          <a:lstStyle/>
-          <a:p>
-            <a:fld id="{1D8BD707-D9CF-40AE-B4C6-C98DA3205C09}" type="datetimeFigureOut">
+              <a:t>7/9/2018</a:t>
+            </a:fld>
+            <a:endParaRPr lang="en-US"/>
+          </a:p>
+        </p:txBody>
+      </p:sp>
+      <p:sp>
+        <p:nvSpPr>
+          <p:cNvPr id="5" name="Footer Placeholder 4"/>
+          <p:cNvSpPr>
+            <a:spLocks noGrp="1"/>
+          </p:cNvSpPr>
+          <p:nvPr>
+            <p:ph idx="11" sz="quarter" type="ftr"/>
+          </p:nvPr>
+        </p:nvSpPr>
+        <p:spPr/>
+        <p:txBody>
+          <a:bodyPr/>
+          <a:lstStyle/>
+          <a:p>
+            <a:endParaRPr lang="en-US"/>
+          </a:p>
+        </p:txBody>
+      </p:sp>
+      <p:sp>
+        <p:nvSpPr>
+          <p:cNvPr id="6" name="Slide Number Placeholder 5"/>
+          <p:cNvSpPr>
+            <a:spLocks noGrp="1"/>
+          </p:cNvSpPr>
+          <p:nvPr>
+            <p:ph idx="12" sz="quarter" type="sldNum"/>
+          </p:nvPr>
+        </p:nvSpPr>
+        <p:spPr/>
+        <p:txBody>
+          <a:bodyPr/>
+          <a:lstStyle/>
+          <a:p>
+            <a:fld id="{330EA680-D336-4FF7-8B7A-9848BB0A1C32}" type="slidenum">
               <a:rPr lang="en-US" smtClean="0"/>
-              <a:pPr/>
-              <a:t>8/1/2011</a:t>
-            </a:fld>
-            <a:endParaRPr lang="en-US"/>
-          </a:p>
-        </p:txBody>
-      </p:sp>
-      <p:sp>
-        <p:nvSpPr>
-          <p:cNvPr id="5" name="Footer Placeholder 4"/>
-          <p:cNvSpPr>
-            <a:spLocks noGrp="1"/>
-          </p:cNvSpPr>
-          <p:nvPr>
-            <p:ph idx="11" sz="quarter" type="ftr"/>
-          </p:nvPr>
-        </p:nvSpPr>
-        <p:spPr/>
-        <p:txBody>
-          <a:bodyPr/>
-          <a:lstStyle/>
-          <a:p>
-            <a:endParaRPr lang="en-US"/>
-          </a:p>
-        </p:txBody>
-      </p:sp>
-      <p:sp>
-        <p:nvSpPr>
-          <p:cNvPr id="6" name="Slide Number Placeholder 5"/>
-          <p:cNvSpPr>
-            <a:spLocks noGrp="1"/>
-          </p:cNvSpPr>
-          <p:nvPr>
-            <p:ph idx="12" sz="quarter" type="sldNum"/>
-          </p:nvPr>
-        </p:nvSpPr>
-        <p:spPr/>
-        <p:txBody>
-          <a:bodyPr/>
-          <a:lstStyle/>
-          <a:p>
-            <a:fld id="{B6F15528-21DE-4FAA-801E-634DDDAF4B2B}" type="slidenum">
-              <a:rPr lang="en-US" smtClean="0"/>
-              <a:pPr/>
               <a:t>‹#›</a:t>
             </a:fld>
             <a:endParaRPr lang="en-US"/>
@@ -339,6 +299,11 @@
         </p:txBody>
       </p:sp>
     </p:spTree>
+    <p:extLst>
+      <p:ext uri="{BB962C8B-B14F-4D97-AF65-F5344CB8AC3E}">
+        <p14:creationId xmlns:p14="http://schemas.microsoft.com/office/powerpoint/2010/main" val="2385387890"/>
+      </p:ext>
+    </p:extLst>
   </p:cSld>
   <p:clrMapOvr>
     <a:masterClrMapping/>
@@ -379,126 +344,122 @@
           <a:lstStyle/>
           <a:p>
             <a:r>
+              <a:rPr lang="en-US"/>
+              <a:t>Click to edit Master title style</a:t>
+            </a:r>
+          </a:p>
+        </p:txBody>
+      </p:sp>
+      <p:sp>
+        <p:nvSpPr>
+          <p:cNvPr id="3" name="Vertical Text Placeholder 2"/>
+          <p:cNvSpPr>
+            <a:spLocks noGrp="1"/>
+          </p:cNvSpPr>
+          <p:nvPr>
+            <p:ph idx="1" orient="vert" type="body"/>
+          </p:nvPr>
+        </p:nvSpPr>
+        <p:spPr/>
+        <p:txBody>
+          <a:bodyPr vert="eaVert"/>
+          <a:lstStyle/>
+          <a:p>
+            <a:pPr lvl="0"/>
+            <a:r>
+              <a:rPr lang="en-US"/>
+              <a:t>Click to edit Master text styles</a:t>
+            </a:r>
+          </a:p>
+          <a:p>
+            <a:pPr lvl="1"/>
+            <a:r>
+              <a:rPr lang="en-US"/>
+              <a:t>Second level</a:t>
+            </a:r>
+          </a:p>
+          <a:p>
+            <a:pPr lvl="2"/>
+            <a:r>
+              <a:rPr lang="en-US"/>
+              <a:t>Third level</a:t>
+            </a:r>
+          </a:p>
+          <a:p>
+            <a:pPr lvl="3"/>
+            <a:r>
+              <a:rPr lang="en-US"/>
+              <a:t>Fourth level</a:t>
+            </a:r>
+          </a:p>
+          <a:p>
+            <a:pPr lvl="4"/>
+            <a:r>
+              <a:rPr lang="en-US"/>
+              <a:t>Fifth level</a:t>
+            </a:r>
+          </a:p>
+        </p:txBody>
+      </p:sp>
+      <p:sp>
+        <p:nvSpPr>
+          <p:cNvPr id="4" name="Date Placeholder 3"/>
+          <p:cNvSpPr>
+            <a:spLocks noGrp="1"/>
+          </p:cNvSpPr>
+          <p:nvPr>
+            <p:ph idx="10" sz="half" type="dt"/>
+          </p:nvPr>
+        </p:nvSpPr>
+        <p:spPr/>
+        <p:txBody>
+          <a:bodyPr/>
+          <a:lstStyle/>
+          <a:p>
+            <a:fld id="{846CE7D5-CF57-46EF-B807-FDD0502418D4}" type="datetimeFigureOut">
               <a:rPr lang="en-US" smtClean="0"/>
-              <a:t>Click to edit Master title style</a:t>
-            </a:r>
-            <a:endParaRPr lang="en-US"/>
-          </a:p>
-        </p:txBody>
-      </p:sp>
-      <p:sp>
-        <p:nvSpPr>
-          <p:cNvPr id="3" name="Vertical Text Placeholder 2"/>
-          <p:cNvSpPr>
-            <a:spLocks noGrp="1"/>
-          </p:cNvSpPr>
-          <p:nvPr>
-            <p:ph idx="1" orient="vert" type="body"/>
-          </p:nvPr>
-        </p:nvSpPr>
-        <p:spPr/>
-        <p:txBody>
-          <a:bodyPr vert="eaVert"/>
-          <a:lstStyle/>
-          <a:p>
-            <a:pPr lvl="0"/>
-            <a:r>
+              <a:t>7/9/2018</a:t>
+            </a:fld>
+            <a:endParaRPr lang="en-US"/>
+          </a:p>
+        </p:txBody>
+      </p:sp>
+      <p:sp>
+        <p:nvSpPr>
+          <p:cNvPr id="5" name="Footer Placeholder 4"/>
+          <p:cNvSpPr>
+            <a:spLocks noGrp="1"/>
+          </p:cNvSpPr>
+          <p:nvPr>
+            <p:ph idx="11" sz="quarter" type="ftr"/>
+          </p:nvPr>
+        </p:nvSpPr>
+        <p:spPr/>
+        <p:txBody>
+          <a:bodyPr/>
+          <a:lstStyle/>
+          <a:p>
+            <a:endParaRPr lang="en-US"/>
+          </a:p>
+        </p:txBody>
+      </p:sp>
+      <p:sp>
+        <p:nvSpPr>
+          <p:cNvPr id="6" name="Slide Number Placeholder 5"/>
+          <p:cNvSpPr>
+            <a:spLocks noGrp="1"/>
+          </p:cNvSpPr>
+          <p:nvPr>
+            <p:ph idx="12" sz="quarter" type="sldNum"/>
+          </p:nvPr>
+        </p:nvSpPr>
+        <p:spPr/>
+        <p:txBody>
+          <a:bodyPr/>
+          <a:lstStyle/>
+          <a:p>
+            <a:fld id="{330EA680-D336-4FF7-8B7A-9848BB0A1C32}" type="slidenum">
               <a:rPr lang="en-US" smtClean="0"/>
-              <a:t>Click to edit Master text styles</a:t>
-            </a:r>
-          </a:p>
-          <a:p>
-            <a:pPr lvl="1"/>
-            <a:r>
-              <a:rPr lang="en-US" smtClean="0"/>
-              <a:t>Second level</a:t>
-            </a:r>
-          </a:p>
-          <a:p>
-            <a:pPr lvl="2"/>
-            <a:r>
-              <a:rPr lang="en-US" smtClean="0"/>
-              <a:t>Third level</a:t>
-            </a:r>
-          </a:p>
-          <a:p>
-            <a:pPr lvl="3"/>
-            <a:r>
-              <a:rPr lang="en-US" smtClean="0"/>
-              <a:t>Fourth level</a:t>
-            </a:r>
-          </a:p>
-          <a:p>
-            <a:pPr lvl="4"/>
-            <a:r>
-              <a:rPr lang="en-US" smtClean="0"/>
-              <a:t>Fifth level</a:t>
-            </a:r>
-            <a:endParaRPr lang="en-US"/>
-          </a:p>
-        </p:txBody>
-      </p:sp>
-      <p:sp>
-        <p:nvSpPr>
-          <p:cNvPr id="4" name="Date Placeholder 3"/>
-          <p:cNvSpPr>
-            <a:spLocks noGrp="1"/>
-          </p:cNvSpPr>
-          <p:nvPr>
-            <p:ph idx="10" sz="half" type="dt"/>
-          </p:nvPr>
-        </p:nvSpPr>
-        <p:spPr/>
-        <p:txBody>
-          <a:bodyPr/>
-          <a:lstStyle/>
-          <a:p>
-            <a:fld id="{1D8BD707-D9CF-40AE-B4C6-C98DA3205C09}" type="datetimeFigureOut">
-              <a:rPr lang="en-US" smtClean="0"/>
-              <a:pPr/>
-              <a:t>8/1/2011</a:t>
-            </a:fld>
-            <a:endParaRPr lang="en-US"/>
-          </a:p>
-        </p:txBody>
-      </p:sp>
-      <p:sp>
-        <p:nvSpPr>
-          <p:cNvPr id="5" name="Footer Placeholder 4"/>
-          <p:cNvSpPr>
-            <a:spLocks noGrp="1"/>
-          </p:cNvSpPr>
-          <p:nvPr>
-            <p:ph idx="11" sz="quarter" type="ftr"/>
-          </p:nvPr>
-        </p:nvSpPr>
-        <p:spPr/>
-        <p:txBody>
-          <a:bodyPr/>
-          <a:lstStyle/>
-          <a:p>
-            <a:endParaRPr lang="en-US"/>
-          </a:p>
-        </p:txBody>
-      </p:sp>
-      <p:sp>
-        <p:nvSpPr>
-          <p:cNvPr id="6" name="Slide Number Placeholder 5"/>
-          <p:cNvSpPr>
-            <a:spLocks noGrp="1"/>
-          </p:cNvSpPr>
-          <p:nvPr>
-            <p:ph idx="12" sz="quarter" type="sldNum"/>
-          </p:nvPr>
-        </p:nvSpPr>
-        <p:spPr/>
-        <p:txBody>
-          <a:bodyPr/>
-          <a:lstStyle/>
-          <a:p>
-            <a:fld id="{B6F15528-21DE-4FAA-801E-634DDDAF4B2B}" type="slidenum">
-              <a:rPr lang="en-US" smtClean="0"/>
-              <a:pPr/>
               <a:t>‹#›</a:t>
             </a:fld>
             <a:endParaRPr lang="en-US"/>
@@ -506,6 +467,11 @@
         </p:txBody>
       </p:sp>
     </p:spTree>
+    <p:extLst>
+      <p:ext uri="{BB962C8B-B14F-4D97-AF65-F5344CB8AC3E}">
+        <p14:creationId xmlns:p14="http://schemas.microsoft.com/office/powerpoint/2010/main" val="2202905451"/>
+      </p:ext>
+    </p:extLst>
   </p:cSld>
   <p:clrMapOvr>
     <a:masterClrMapping/>
@@ -542,8 +508,8 @@
         </p:nvSpPr>
         <p:spPr>
           <a:xfrm>
-            <a:off x="6629400" y="274638"/>
-            <a:ext cx="2057400" cy="5851525"/>
+            <a:off x="8724900" y="365125"/>
+            <a:ext cx="2628900" cy="5811838"/>
           </a:xfrm>
         </p:spPr>
         <p:txBody>
@@ -551,10 +517,9 @@
           <a:lstStyle/>
           <a:p>
             <a:r>
-              <a:rPr lang="en-US" smtClean="0"/>
+              <a:rPr lang="en-US"/>
               <a:t>Click to edit Master title style</a:t>
             </a:r>
-            <a:endParaRPr lang="en-US"/>
           </a:p>
         </p:txBody>
       </p:sp>
@@ -570,8 +535,8 @@
         </p:nvSpPr>
         <p:spPr>
           <a:xfrm>
-            <a:off x="457200" y="274638"/>
-            <a:ext cx="6019800" cy="5851525"/>
+            <a:off x="838200" y="365125"/>
+            <a:ext cx="7734300" cy="5811838"/>
           </a:xfrm>
         </p:spPr>
         <p:txBody>
@@ -580,102 +545,99 @@
           <a:p>
             <a:pPr lvl="0"/>
             <a:r>
+              <a:rPr lang="en-US"/>
+              <a:t>Click to edit Master text styles</a:t>
+            </a:r>
+          </a:p>
+          <a:p>
+            <a:pPr lvl="1"/>
+            <a:r>
+              <a:rPr lang="en-US"/>
+              <a:t>Second level</a:t>
+            </a:r>
+          </a:p>
+          <a:p>
+            <a:pPr lvl="2"/>
+            <a:r>
+              <a:rPr lang="en-US"/>
+              <a:t>Third level</a:t>
+            </a:r>
+          </a:p>
+          <a:p>
+            <a:pPr lvl="3"/>
+            <a:r>
+              <a:rPr lang="en-US"/>
+              <a:t>Fourth level</a:t>
+            </a:r>
+          </a:p>
+          <a:p>
+            <a:pPr lvl="4"/>
+            <a:r>
+              <a:rPr lang="en-US"/>
+              <a:t>Fifth level</a:t>
+            </a:r>
+          </a:p>
+        </p:txBody>
+      </p:sp>
+      <p:sp>
+        <p:nvSpPr>
+          <p:cNvPr id="4" name="Date Placeholder 3"/>
+          <p:cNvSpPr>
+            <a:spLocks noGrp="1"/>
+          </p:cNvSpPr>
+          <p:nvPr>
+            <p:ph idx="10" sz="half" type="dt"/>
+          </p:nvPr>
+        </p:nvSpPr>
+        <p:spPr/>
+        <p:txBody>
+          <a:bodyPr/>
+          <a:lstStyle/>
+          <a:p>
+            <a:fld id="{846CE7D5-CF57-46EF-B807-FDD0502418D4}" type="datetimeFigureOut">
               <a:rPr lang="en-US" smtClean="0"/>
-              <a:t>Click to edit Master text styles</a:t>
-            </a:r>
-          </a:p>
-          <a:p>
-            <a:pPr lvl="1"/>
-            <a:r>
+              <a:t>7/9/2018</a:t>
+            </a:fld>
+            <a:endParaRPr lang="en-US"/>
+          </a:p>
+        </p:txBody>
+      </p:sp>
+      <p:sp>
+        <p:nvSpPr>
+          <p:cNvPr id="5" name="Footer Placeholder 4"/>
+          <p:cNvSpPr>
+            <a:spLocks noGrp="1"/>
+          </p:cNvSpPr>
+          <p:nvPr>
+            <p:ph idx="11" sz="quarter" type="ftr"/>
+          </p:nvPr>
+        </p:nvSpPr>
+        <p:spPr/>
+        <p:txBody>
+          <a:bodyPr/>
+          <a:lstStyle/>
+          <a:p>
+            <a:endParaRPr lang="en-US"/>
+          </a:p>
+        </p:txBody>
+      </p:sp>
+      <p:sp>
+        <p:nvSpPr>
+          <p:cNvPr id="6" name="Slide Number Placeholder 5"/>
+          <p:cNvSpPr>
+            <a:spLocks noGrp="1"/>
+          </p:cNvSpPr>
+          <p:nvPr>
+            <p:ph idx="12" sz="quarter" type="sldNum"/>
+          </p:nvPr>
+        </p:nvSpPr>
+        <p:spPr/>
+        <p:txBody>
+          <a:bodyPr/>
+          <a:lstStyle/>
+          <a:p>
+            <a:fld id="{330EA680-D336-4FF7-8B7A-9848BB0A1C32}" type="slidenum">
               <a:rPr lang="en-US" smtClean="0"/>
-              <a:t>Second level</a:t>
-            </a:r>
-          </a:p>
-          <a:p>
-            <a:pPr lvl="2"/>
-            <a:r>
-              <a:rPr lang="en-US" smtClean="0"/>
-              <a:t>Third level</a:t>
-            </a:r>
-          </a:p>
-          <a:p>
-            <a:pPr lvl="3"/>
-            <a:r>
-              <a:rPr lang="en-US" smtClean="0"/>
-              <a:t>Fourth level</a:t>
-            </a:r>
-          </a:p>
-          <a:p>
-            <a:pPr lvl="4"/>
-            <a:r>
-              <a:rPr lang="en-US" smtClean="0"/>
-              <a:t>Fifth level</a:t>
-            </a:r>
-            <a:endParaRPr lang="en-US"/>
-          </a:p>
-        </p:txBody>
-      </p:sp>
-      <p:sp>
-        <p:nvSpPr>
-          <p:cNvPr id="4" name="Date Placeholder 3"/>
-          <p:cNvSpPr>
-            <a:spLocks noGrp="1"/>
-          </p:cNvSpPr>
-          <p:nvPr>
-            <p:ph idx="10" sz="half" type="dt"/>
-          </p:nvPr>
-        </p:nvSpPr>
-        <p:spPr/>
-        <p:txBody>
-          <a:bodyPr/>
-          <a:lstStyle/>
-          <a:p>
-            <a:fld id="{1D8BD707-D9CF-40AE-B4C6-C98DA3205C09}" type="datetimeFigureOut">
-              <a:rPr lang="en-US" smtClean="0"/>
-              <a:pPr/>
-              <a:t>8/1/2011</a:t>
-            </a:fld>
-            <a:endParaRPr lang="en-US"/>
-          </a:p>
-        </p:txBody>
-      </p:sp>
-      <p:sp>
-        <p:nvSpPr>
-          <p:cNvPr id="5" name="Footer Placeholder 4"/>
-          <p:cNvSpPr>
-            <a:spLocks noGrp="1"/>
-          </p:cNvSpPr>
-          <p:nvPr>
-            <p:ph idx="11" sz="quarter" type="ftr"/>
-          </p:nvPr>
-        </p:nvSpPr>
-        <p:spPr/>
-        <p:txBody>
-          <a:bodyPr/>
-          <a:lstStyle/>
-          <a:p>
-            <a:endParaRPr lang="en-US"/>
-          </a:p>
-        </p:txBody>
-      </p:sp>
-      <p:sp>
-        <p:nvSpPr>
-          <p:cNvPr id="6" name="Slide Number Placeholder 5"/>
-          <p:cNvSpPr>
-            <a:spLocks noGrp="1"/>
-          </p:cNvSpPr>
-          <p:nvPr>
-            <p:ph idx="12" sz="quarter" type="sldNum"/>
-          </p:nvPr>
-        </p:nvSpPr>
-        <p:spPr/>
-        <p:txBody>
-          <a:bodyPr/>
-          <a:lstStyle/>
-          <a:p>
-            <a:fld id="{B6F15528-21DE-4FAA-801E-634DDDAF4B2B}" type="slidenum">
-              <a:rPr lang="en-US" smtClean="0"/>
-              <a:pPr/>
               <a:t>‹#›</a:t>
             </a:fld>
             <a:endParaRPr lang="en-US"/>
@@ -683,6 +645,11 @@
         </p:txBody>
       </p:sp>
     </p:spTree>
+    <p:extLst>
+      <p:ext uri="{BB962C8B-B14F-4D97-AF65-F5344CB8AC3E}">
+        <p14:creationId xmlns:p14="http://schemas.microsoft.com/office/powerpoint/2010/main" val="3479445657"/>
+      </p:ext>
+    </p:extLst>
   </p:cSld>
   <p:clrMapOvr>
     <a:masterClrMapping/>
@@ -723,126 +690,122 @@
           <a:lstStyle/>
           <a:p>
             <a:r>
+              <a:rPr lang="en-US"/>
+              <a:t>Click to edit Master title style</a:t>
+            </a:r>
+          </a:p>
+        </p:txBody>
+      </p:sp>
+      <p:sp>
+        <p:nvSpPr>
+          <p:cNvPr id="3" name="Content Placeholder 2"/>
+          <p:cNvSpPr>
+            <a:spLocks noGrp="1"/>
+          </p:cNvSpPr>
+          <p:nvPr>
+            <p:ph idx="1"/>
+          </p:nvPr>
+        </p:nvSpPr>
+        <p:spPr/>
+        <p:txBody>
+          <a:bodyPr/>
+          <a:lstStyle/>
+          <a:p>
+            <a:pPr lvl="0"/>
+            <a:r>
+              <a:rPr lang="en-US"/>
+              <a:t>Click to edit Master text styles</a:t>
+            </a:r>
+          </a:p>
+          <a:p>
+            <a:pPr lvl="1"/>
+            <a:r>
+              <a:rPr lang="en-US"/>
+              <a:t>Second level</a:t>
+            </a:r>
+          </a:p>
+          <a:p>
+            <a:pPr lvl="2"/>
+            <a:r>
+              <a:rPr lang="en-US"/>
+              <a:t>Third level</a:t>
+            </a:r>
+          </a:p>
+          <a:p>
+            <a:pPr lvl="3"/>
+            <a:r>
+              <a:rPr lang="en-US"/>
+              <a:t>Fourth level</a:t>
+            </a:r>
+          </a:p>
+          <a:p>
+            <a:pPr lvl="4"/>
+            <a:r>
+              <a:rPr lang="en-US"/>
+              <a:t>Fifth level</a:t>
+            </a:r>
+          </a:p>
+        </p:txBody>
+      </p:sp>
+      <p:sp>
+        <p:nvSpPr>
+          <p:cNvPr id="4" name="Date Placeholder 3"/>
+          <p:cNvSpPr>
+            <a:spLocks noGrp="1"/>
+          </p:cNvSpPr>
+          <p:nvPr>
+            <p:ph idx="10" sz="half" type="dt"/>
+          </p:nvPr>
+        </p:nvSpPr>
+        <p:spPr/>
+        <p:txBody>
+          <a:bodyPr/>
+          <a:lstStyle/>
+          <a:p>
+            <a:fld id="{846CE7D5-CF57-46EF-B807-FDD0502418D4}" type="datetimeFigureOut">
               <a:rPr lang="en-US" smtClean="0"/>
-              <a:t>Click to edit Master title style</a:t>
-            </a:r>
-            <a:endParaRPr lang="en-US"/>
-          </a:p>
-        </p:txBody>
-      </p:sp>
-      <p:sp>
-        <p:nvSpPr>
-          <p:cNvPr id="3" name="Content Placeholder 2"/>
-          <p:cNvSpPr>
-            <a:spLocks noGrp="1"/>
-          </p:cNvSpPr>
-          <p:nvPr>
-            <p:ph idx="1"/>
-          </p:nvPr>
-        </p:nvSpPr>
-        <p:spPr/>
-        <p:txBody>
-          <a:bodyPr/>
-          <a:lstStyle/>
-          <a:p>
-            <a:pPr lvl="0"/>
-            <a:r>
+              <a:t>7/9/2018</a:t>
+            </a:fld>
+            <a:endParaRPr lang="en-US"/>
+          </a:p>
+        </p:txBody>
+      </p:sp>
+      <p:sp>
+        <p:nvSpPr>
+          <p:cNvPr id="5" name="Footer Placeholder 4"/>
+          <p:cNvSpPr>
+            <a:spLocks noGrp="1"/>
+          </p:cNvSpPr>
+          <p:nvPr>
+            <p:ph idx="11" sz="quarter" type="ftr"/>
+          </p:nvPr>
+        </p:nvSpPr>
+        <p:spPr/>
+        <p:txBody>
+          <a:bodyPr/>
+          <a:lstStyle/>
+          <a:p>
+            <a:endParaRPr lang="en-US"/>
+          </a:p>
+        </p:txBody>
+      </p:sp>
+      <p:sp>
+        <p:nvSpPr>
+          <p:cNvPr id="6" name="Slide Number Placeholder 5"/>
+          <p:cNvSpPr>
+            <a:spLocks noGrp="1"/>
+          </p:cNvSpPr>
+          <p:nvPr>
+            <p:ph idx="12" sz="quarter" type="sldNum"/>
+          </p:nvPr>
+        </p:nvSpPr>
+        <p:spPr/>
+        <p:txBody>
+          <a:bodyPr/>
+          <a:lstStyle/>
+          <a:p>
+            <a:fld id="{330EA680-D336-4FF7-8B7A-9848BB0A1C32}" type="slidenum">
               <a:rPr lang="en-US" smtClean="0"/>
-              <a:t>Click to edit Master text styles</a:t>
-            </a:r>
-          </a:p>
-          <a:p>
-            <a:pPr lvl="1"/>
-            <a:r>
-              <a:rPr lang="en-US" smtClean="0"/>
-              <a:t>Second level</a:t>
-            </a:r>
-          </a:p>
-          <a:p>
-            <a:pPr lvl="2"/>
-            <a:r>
-              <a:rPr lang="en-US" smtClean="0"/>
-              <a:t>Third level</a:t>
-            </a:r>
-          </a:p>
-          <a:p>
-            <a:pPr lvl="3"/>
-            <a:r>
-              <a:rPr lang="en-US" smtClean="0"/>
-              <a:t>Fourth level</a:t>
-            </a:r>
-          </a:p>
-          <a:p>
-            <a:pPr lvl="4"/>
-            <a:r>
-              <a:rPr lang="en-US" smtClean="0"/>
-              <a:t>Fifth level</a:t>
-            </a:r>
-            <a:endParaRPr lang="en-US"/>
-          </a:p>
-        </p:txBody>
-      </p:sp>
-      <p:sp>
-        <p:nvSpPr>
-          <p:cNvPr id="4" name="Date Placeholder 3"/>
-          <p:cNvSpPr>
-            <a:spLocks noGrp="1"/>
-          </p:cNvSpPr>
-          <p:nvPr>
-            <p:ph idx="10" sz="half" type="dt"/>
-          </p:nvPr>
-        </p:nvSpPr>
-        <p:spPr/>
-        <p:txBody>
-          <a:bodyPr/>
-          <a:lstStyle/>
-          <a:p>
-            <a:fld id="{1D8BD707-D9CF-40AE-B4C6-C98DA3205C09}" type="datetimeFigureOut">
-              <a:rPr lang="en-US" smtClean="0"/>
-              <a:pPr/>
-              <a:t>8/1/2011</a:t>
-            </a:fld>
-            <a:endParaRPr lang="en-US"/>
-          </a:p>
-        </p:txBody>
-      </p:sp>
-      <p:sp>
-        <p:nvSpPr>
-          <p:cNvPr id="5" name="Footer Placeholder 4"/>
-          <p:cNvSpPr>
-            <a:spLocks noGrp="1"/>
-          </p:cNvSpPr>
-          <p:nvPr>
-            <p:ph idx="11" sz="quarter" type="ftr"/>
-          </p:nvPr>
-        </p:nvSpPr>
-        <p:spPr/>
-        <p:txBody>
-          <a:bodyPr/>
-          <a:lstStyle/>
-          <a:p>
-            <a:endParaRPr lang="en-US"/>
-          </a:p>
-        </p:txBody>
-      </p:sp>
-      <p:sp>
-        <p:nvSpPr>
-          <p:cNvPr id="6" name="Slide Number Placeholder 5"/>
-          <p:cNvSpPr>
-            <a:spLocks noGrp="1"/>
-          </p:cNvSpPr>
-          <p:nvPr>
-            <p:ph idx="12" sz="quarter" type="sldNum"/>
-          </p:nvPr>
-        </p:nvSpPr>
-        <p:spPr/>
-        <p:txBody>
-          <a:bodyPr/>
-          <a:lstStyle/>
-          <a:p>
-            <a:fld id="{B6F15528-21DE-4FAA-801E-634DDDAF4B2B}" type="slidenum">
-              <a:rPr lang="en-US" smtClean="0"/>
-              <a:pPr/>
               <a:t>‹#›</a:t>
             </a:fld>
             <a:endParaRPr lang="en-US"/>
@@ -850,6 +813,11 @@
         </p:txBody>
       </p:sp>
     </p:spTree>
+    <p:extLst>
+      <p:ext uri="{BB962C8B-B14F-4D97-AF65-F5344CB8AC3E}">
+        <p14:creationId xmlns:p14="http://schemas.microsoft.com/office/powerpoint/2010/main" val="949138452"/>
+      </p:ext>
+    </p:extLst>
   </p:cSld>
   <p:clrMapOvr>
     <a:masterClrMapping/>
@@ -886,23 +854,22 @@
         </p:nvSpPr>
         <p:spPr>
           <a:xfrm>
-            <a:off x="722313" y="4406900"/>
-            <a:ext cx="7772400" cy="1362075"/>
+            <a:off x="831850" y="1709738"/>
+            <a:ext cx="10515600" cy="2852737"/>
           </a:xfrm>
         </p:spPr>
         <p:txBody>
-          <a:bodyPr anchor="t"/>
+          <a:bodyPr anchor="b"/>
           <a:lstStyle>
-            <a:lvl1pPr algn="l">
-              <a:defRPr b="1" cap="all" sz="4000"/>
+            <a:lvl1pPr>
+              <a:defRPr sz="6000"/>
             </a:lvl1pPr>
           </a:lstStyle>
           <a:p>
             <a:r>
-              <a:rPr lang="en-US" smtClean="0"/>
+              <a:rPr lang="en-US"/>
               <a:t>Click to edit Master title style</a:t>
             </a:r>
-            <a:endParaRPr lang="en-US"/>
           </a:p>
         </p:txBody>
       </p:sp>
@@ -918,16 +885,16 @@
         </p:nvSpPr>
         <p:spPr>
           <a:xfrm>
-            <a:off x="722313" y="2906713"/>
-            <a:ext cx="7772400" cy="1500187"/>
+            <a:off x="831850" y="4589463"/>
+            <a:ext cx="10515600" cy="1500187"/>
           </a:xfrm>
         </p:spPr>
         <p:txBody>
-          <a:bodyPr anchor="b"/>
+          <a:bodyPr/>
           <a:lstStyle>
             <a:lvl1pPr indent="0" marL="0">
               <a:buNone/>
-              <a:defRPr sz="2000">
+              <a:defRPr sz="2400">
                 <a:solidFill>
                   <a:schemeClr val="tx1">
                     <a:tint val="75000"/>
@@ -937,7 +904,7 @@
             </a:lvl1pPr>
             <a:lvl2pPr indent="0" marL="457200">
               <a:buNone/>
-              <a:defRPr sz="1800">
+              <a:defRPr sz="2000">
                 <a:solidFill>
                   <a:schemeClr val="tx1">
                     <a:tint val="75000"/>
@@ -947,7 +914,7 @@
             </a:lvl2pPr>
             <a:lvl3pPr indent="0" marL="914400">
               <a:buNone/>
-              <a:defRPr sz="1600">
+              <a:defRPr sz="1800">
                 <a:solidFill>
                   <a:schemeClr val="tx1">
                     <a:tint val="75000"/>
@@ -957,7 +924,7 @@
             </a:lvl3pPr>
             <a:lvl4pPr indent="0" marL="1371600">
               <a:buNone/>
-              <a:defRPr sz="1400">
+              <a:defRPr sz="1600">
                 <a:solidFill>
                   <a:schemeClr val="tx1">
                     <a:tint val="75000"/>
@@ -967,7 +934,7 @@
             </a:lvl4pPr>
             <a:lvl5pPr indent="0" marL="1828800">
               <a:buNone/>
-              <a:defRPr sz="1400">
+              <a:defRPr sz="1600">
                 <a:solidFill>
                   <a:schemeClr val="tx1">
                     <a:tint val="75000"/>
@@ -977,7 +944,7 @@
             </a:lvl5pPr>
             <a:lvl6pPr indent="0" marL="2286000">
               <a:buNone/>
-              <a:defRPr sz="1400">
+              <a:defRPr sz="1600">
                 <a:solidFill>
                   <a:schemeClr val="tx1">
                     <a:tint val="75000"/>
@@ -987,7 +954,7 @@
             </a:lvl6pPr>
             <a:lvl7pPr indent="0" marL="2743200">
               <a:buNone/>
-              <a:defRPr sz="1400">
+              <a:defRPr sz="1600">
                 <a:solidFill>
                   <a:schemeClr val="tx1">
                     <a:tint val="75000"/>
@@ -997,7 +964,7 @@
             </a:lvl7pPr>
             <a:lvl8pPr indent="0" marL="3200400">
               <a:buNone/>
-              <a:defRPr sz="1400">
+              <a:defRPr sz="1600">
                 <a:solidFill>
                   <a:schemeClr val="tx1">
                     <a:tint val="75000"/>
@@ -1007,7 +974,7 @@
             </a:lvl8pPr>
             <a:lvl9pPr indent="0" marL="3657600">
               <a:buNone/>
-              <a:defRPr sz="1400">
+              <a:defRPr sz="1600">
                 <a:solidFill>
                   <a:schemeClr val="tx1">
                     <a:tint val="75000"/>
@@ -1019,73 +986,71 @@
           <a:p>
             <a:pPr lvl="0"/>
             <a:r>
+              <a:rPr lang="en-US"/>
+              <a:t>Click to edit Master text styles</a:t>
+            </a:r>
+          </a:p>
+        </p:txBody>
+      </p:sp>
+      <p:sp>
+        <p:nvSpPr>
+          <p:cNvPr id="4" name="Date Placeholder 3"/>
+          <p:cNvSpPr>
+            <a:spLocks noGrp="1"/>
+          </p:cNvSpPr>
+          <p:nvPr>
+            <p:ph idx="10" sz="half" type="dt"/>
+          </p:nvPr>
+        </p:nvSpPr>
+        <p:spPr/>
+        <p:txBody>
+          <a:bodyPr/>
+          <a:lstStyle/>
+          <a:p>
+            <a:fld id="{846CE7D5-CF57-46EF-B807-FDD0502418D4}" type="datetimeFigureOut">
               <a:rPr lang="en-US" smtClean="0"/>
-              <a:t>Click to edit Master text styles</a:t>
-            </a:r>
-          </a:p>
-        </p:txBody>
-      </p:sp>
-      <p:sp>
-        <p:nvSpPr>
-          <p:cNvPr id="4" name="Date Placeholder 3"/>
-          <p:cNvSpPr>
-            <a:spLocks noGrp="1"/>
-          </p:cNvSpPr>
-          <p:nvPr>
-            <p:ph idx="10" sz="half" type="dt"/>
-          </p:nvPr>
-        </p:nvSpPr>
-        <p:spPr/>
-        <p:txBody>
-          <a:bodyPr/>
-          <a:lstStyle/>
-          <a:p>
-            <a:fld id="{1D8BD707-D9CF-40AE-B4C6-C98DA3205C09}" type="datetimeFigureOut">
+              <a:t>7/9/2018</a:t>
+            </a:fld>
+            <a:endParaRPr lang="en-US"/>
+          </a:p>
+        </p:txBody>
+      </p:sp>
+      <p:sp>
+        <p:nvSpPr>
+          <p:cNvPr id="5" name="Footer Placeholder 4"/>
+          <p:cNvSpPr>
+            <a:spLocks noGrp="1"/>
+          </p:cNvSpPr>
+          <p:nvPr>
+            <p:ph idx="11" sz="quarter" type="ftr"/>
+          </p:nvPr>
+        </p:nvSpPr>
+        <p:spPr/>
+        <p:txBody>
+          <a:bodyPr/>
+          <a:lstStyle/>
+          <a:p>
+            <a:endParaRPr lang="en-US"/>
+          </a:p>
+        </p:txBody>
+      </p:sp>
+      <p:sp>
+        <p:nvSpPr>
+          <p:cNvPr id="6" name="Slide Number Placeholder 5"/>
+          <p:cNvSpPr>
+            <a:spLocks noGrp="1"/>
+          </p:cNvSpPr>
+          <p:nvPr>
+            <p:ph idx="12" sz="quarter" type="sldNum"/>
+          </p:nvPr>
+        </p:nvSpPr>
+        <p:spPr/>
+        <p:txBody>
+          <a:bodyPr/>
+          <a:lstStyle/>
+          <a:p>
+            <a:fld id="{330EA680-D336-4FF7-8B7A-9848BB0A1C32}" type="slidenum">
               <a:rPr lang="en-US" smtClean="0"/>
-              <a:pPr/>
-              <a:t>8/1/2011</a:t>
-            </a:fld>
-            <a:endParaRPr lang="en-US"/>
-          </a:p>
-        </p:txBody>
-      </p:sp>
-      <p:sp>
-        <p:nvSpPr>
-          <p:cNvPr id="5" name="Footer Placeholder 4"/>
-          <p:cNvSpPr>
-            <a:spLocks noGrp="1"/>
-          </p:cNvSpPr>
-          <p:nvPr>
-            <p:ph idx="11" sz="quarter" type="ftr"/>
-          </p:nvPr>
-        </p:nvSpPr>
-        <p:spPr/>
-        <p:txBody>
-          <a:bodyPr/>
-          <a:lstStyle/>
-          <a:p>
-            <a:endParaRPr lang="en-US"/>
-          </a:p>
-        </p:txBody>
-      </p:sp>
-      <p:sp>
-        <p:nvSpPr>
-          <p:cNvPr id="6" name="Slide Number Placeholder 5"/>
-          <p:cNvSpPr>
-            <a:spLocks noGrp="1"/>
-          </p:cNvSpPr>
-          <p:nvPr>
-            <p:ph idx="12" sz="quarter" type="sldNum"/>
-          </p:nvPr>
-        </p:nvSpPr>
-        <p:spPr/>
-        <p:txBody>
-          <a:bodyPr/>
-          <a:lstStyle/>
-          <a:p>
-            <a:fld id="{B6F15528-21DE-4FAA-801E-634DDDAF4B2B}" type="slidenum">
-              <a:rPr lang="en-US" smtClean="0"/>
-              <a:pPr/>
               <a:t>‹#›</a:t>
             </a:fld>
             <a:endParaRPr lang="en-US"/>
@@ -1093,6 +1058,11 @@
         </p:txBody>
       </p:sp>
     </p:spTree>
+    <p:extLst>
+      <p:ext uri="{BB962C8B-B14F-4D97-AF65-F5344CB8AC3E}">
+        <p14:creationId xmlns:p14="http://schemas.microsoft.com/office/powerpoint/2010/main" val="2591524520"/>
+      </p:ext>
+    </p:extLst>
   </p:cSld>
   <p:clrMapOvr>
     <a:masterClrMapping/>
@@ -1133,10 +1103,9 @@
           <a:lstStyle/>
           <a:p>
             <a:r>
-              <a:rPr lang="en-US" smtClean="0"/>
+              <a:rPr lang="en-US"/>
               <a:t>Click to edit Master title style</a:t>
             </a:r>
-            <a:endParaRPr lang="en-US"/>
           </a:p>
         </p:txBody>
       </p:sp>
@@ -1152,76 +1121,47 @@
         </p:nvSpPr>
         <p:spPr>
           <a:xfrm>
-            <a:off x="457200" y="1600200"/>
-            <a:ext cx="4038600" cy="4525963"/>
+            <a:off x="838200" y="1825625"/>
+            <a:ext cx="5181600" cy="4351338"/>
           </a:xfrm>
         </p:spPr>
         <p:txBody>
           <a:bodyPr/>
-          <a:lstStyle>
-            <a:lvl1pPr>
-              <a:defRPr sz="2800"/>
-            </a:lvl1pPr>
-            <a:lvl2pPr>
-              <a:defRPr sz="2400"/>
-            </a:lvl2pPr>
-            <a:lvl3pPr>
-              <a:defRPr sz="2000"/>
-            </a:lvl3pPr>
-            <a:lvl4pPr>
-              <a:defRPr sz="1800"/>
-            </a:lvl4pPr>
-            <a:lvl5pPr>
-              <a:defRPr sz="1800"/>
-            </a:lvl5pPr>
-            <a:lvl6pPr>
-              <a:defRPr sz="1800"/>
-            </a:lvl6pPr>
-            <a:lvl7pPr>
-              <a:defRPr sz="1800"/>
-            </a:lvl7pPr>
-            <a:lvl8pPr>
-              <a:defRPr sz="1800"/>
-            </a:lvl8pPr>
-            <a:lvl9pPr>
-              <a:defRPr sz="1800"/>
-            </a:lvl9pPr>
-          </a:lstStyle>
+          <a:lstStyle/>
           <a:p>
             <a:pPr lvl="0"/>
             <a:r>
-              <a:rPr lang="en-US" smtClean="0"/>
+              <a:rPr lang="en-US"/>
               <a:t>Click to edit Master text styles</a:t>
             </a:r>
           </a:p>
           <a:p>
             <a:pPr lvl="1"/>
             <a:r>
-              <a:rPr lang="en-US" smtClean="0"/>
+              <a:rPr lang="en-US"/>
               <a:t>Second level</a:t>
             </a:r>
           </a:p>
           <a:p>
             <a:pPr lvl="2"/>
             <a:r>
-              <a:rPr lang="en-US" smtClean="0"/>
+              <a:rPr lang="en-US"/>
               <a:t>Third level</a:t>
             </a:r>
           </a:p>
           <a:p>
             <a:pPr lvl="3"/>
             <a:r>
-              <a:rPr lang="en-US" smtClean="0"/>
+              <a:rPr lang="en-US"/>
               <a:t>Fourth level</a:t>
             </a:r>
           </a:p>
           <a:p>
             <a:pPr lvl="4"/>
             <a:r>
-              <a:rPr lang="en-US" smtClean="0"/>
+              <a:rPr lang="en-US"/>
               <a:t>Fifth level</a:t>
             </a:r>
-            <a:endParaRPr lang="en-US"/>
           </a:p>
         </p:txBody>
       </p:sp>
@@ -1237,140 +1177,109 @@
         </p:nvSpPr>
         <p:spPr>
           <a:xfrm>
-            <a:off x="4648200" y="1600200"/>
-            <a:ext cx="4038600" cy="4525963"/>
+            <a:off x="6172200" y="1825625"/>
+            <a:ext cx="5181600" cy="4351338"/>
           </a:xfrm>
         </p:spPr>
         <p:txBody>
           <a:bodyPr/>
-          <a:lstStyle>
-            <a:lvl1pPr>
-              <a:defRPr sz="2800"/>
-            </a:lvl1pPr>
-            <a:lvl2pPr>
-              <a:defRPr sz="2400"/>
-            </a:lvl2pPr>
-            <a:lvl3pPr>
-              <a:defRPr sz="2000"/>
-            </a:lvl3pPr>
-            <a:lvl4pPr>
-              <a:defRPr sz="1800"/>
-            </a:lvl4pPr>
-            <a:lvl5pPr>
-              <a:defRPr sz="1800"/>
-            </a:lvl5pPr>
-            <a:lvl6pPr>
-              <a:defRPr sz="1800"/>
-            </a:lvl6pPr>
-            <a:lvl7pPr>
-              <a:defRPr sz="1800"/>
-            </a:lvl7pPr>
-            <a:lvl8pPr>
-              <a:defRPr sz="1800"/>
-            </a:lvl8pPr>
-            <a:lvl9pPr>
-              <a:defRPr sz="1800"/>
-            </a:lvl9pPr>
-          </a:lstStyle>
+          <a:lstStyle/>
           <a:p>
             <a:pPr lvl="0"/>
             <a:r>
+              <a:rPr lang="en-US"/>
+              <a:t>Click to edit Master text styles</a:t>
+            </a:r>
+          </a:p>
+          <a:p>
+            <a:pPr lvl="1"/>
+            <a:r>
+              <a:rPr lang="en-US"/>
+              <a:t>Second level</a:t>
+            </a:r>
+          </a:p>
+          <a:p>
+            <a:pPr lvl="2"/>
+            <a:r>
+              <a:rPr lang="en-US"/>
+              <a:t>Third level</a:t>
+            </a:r>
+          </a:p>
+          <a:p>
+            <a:pPr lvl="3"/>
+            <a:r>
+              <a:rPr lang="en-US"/>
+              <a:t>Fourth level</a:t>
+            </a:r>
+          </a:p>
+          <a:p>
+            <a:pPr lvl="4"/>
+            <a:r>
+              <a:rPr lang="en-US"/>
+              <a:t>Fifth level</a:t>
+            </a:r>
+          </a:p>
+        </p:txBody>
+      </p:sp>
+      <p:sp>
+        <p:nvSpPr>
+          <p:cNvPr id="5" name="Date Placeholder 4"/>
+          <p:cNvSpPr>
+            <a:spLocks noGrp="1"/>
+          </p:cNvSpPr>
+          <p:nvPr>
+            <p:ph idx="10" sz="half" type="dt"/>
+          </p:nvPr>
+        </p:nvSpPr>
+        <p:spPr/>
+        <p:txBody>
+          <a:bodyPr/>
+          <a:lstStyle/>
+          <a:p>
+            <a:fld id="{846CE7D5-CF57-46EF-B807-FDD0502418D4}" type="datetimeFigureOut">
               <a:rPr lang="en-US" smtClean="0"/>
-              <a:t>Click to edit Master text styles</a:t>
-            </a:r>
-          </a:p>
-          <a:p>
-            <a:pPr lvl="1"/>
-            <a:r>
+              <a:t>7/9/2018</a:t>
+            </a:fld>
+            <a:endParaRPr lang="en-US"/>
+          </a:p>
+        </p:txBody>
+      </p:sp>
+      <p:sp>
+        <p:nvSpPr>
+          <p:cNvPr id="6" name="Footer Placeholder 5"/>
+          <p:cNvSpPr>
+            <a:spLocks noGrp="1"/>
+          </p:cNvSpPr>
+          <p:nvPr>
+            <p:ph idx="11" sz="quarter" type="ftr"/>
+          </p:nvPr>
+        </p:nvSpPr>
+        <p:spPr/>
+        <p:txBody>
+          <a:bodyPr/>
+          <a:lstStyle/>
+          <a:p>
+            <a:endParaRPr lang="en-US"/>
+          </a:p>
+        </p:txBody>
+      </p:sp>
+      <p:sp>
+        <p:nvSpPr>
+          <p:cNvPr id="7" name="Slide Number Placeholder 6"/>
+          <p:cNvSpPr>
+            <a:spLocks noGrp="1"/>
+          </p:cNvSpPr>
+          <p:nvPr>
+            <p:ph idx="12" sz="quarter" type="sldNum"/>
+          </p:nvPr>
+        </p:nvSpPr>
+        <p:spPr/>
+        <p:txBody>
+          <a:bodyPr/>
+          <a:lstStyle/>
+          <a:p>
+            <a:fld id="{330EA680-D336-4FF7-8B7A-9848BB0A1C32}" type="slidenum">
               <a:rPr lang="en-US" smtClean="0"/>
-              <a:t>Second level</a:t>
-            </a:r>
-          </a:p>
-          <a:p>
-            <a:pPr lvl="2"/>
-            <a:r>
-              <a:rPr lang="en-US" smtClean="0"/>
-              <a:t>Third level</a:t>
-            </a:r>
-          </a:p>
-          <a:p>
-            <a:pPr lvl="3"/>
-            <a:r>
-              <a:rPr lang="en-US" smtClean="0"/>
-              <a:t>Fourth level</a:t>
-            </a:r>
-          </a:p>
-          <a:p>
-            <a:pPr lvl="4"/>
-            <a:r>
-              <a:rPr lang="en-US" smtClean="0"/>
-              <a:t>Fifth level</a:t>
-            </a:r>
-            <a:endParaRPr lang="en-US"/>
-          </a:p>
-        </p:txBody>
-      </p:sp>
-      <p:sp>
-        <p:nvSpPr>
-          <p:cNvPr id="5" name="Date Placeholder 4"/>
-          <p:cNvSpPr>
-            <a:spLocks noGrp="1"/>
-          </p:cNvSpPr>
-          <p:nvPr>
-            <p:ph idx="10" sz="half" type="dt"/>
-          </p:nvPr>
-        </p:nvSpPr>
-        <p:spPr/>
-        <p:txBody>
-          <a:bodyPr/>
-          <a:lstStyle/>
-          <a:p>
-            <a:fld id="{1D8BD707-D9CF-40AE-B4C6-C98DA3205C09}" type="datetimeFigureOut">
-              <a:rPr lang="en-US" smtClean="0"/>
-              <a:pPr/>
-              <a:t>8/1/2011</a:t>
-            </a:fld>
-            <a:endParaRPr lang="en-US"/>
-          </a:p>
-        </p:txBody>
-      </p:sp>
-      <p:sp>
-        <p:nvSpPr>
-          <p:cNvPr id="6" name="Footer Placeholder 5"/>
-          <p:cNvSpPr>
-            <a:spLocks noGrp="1"/>
-          </p:cNvSpPr>
-          <p:nvPr>
-            <p:ph idx="11" sz="quarter" type="ftr"/>
-          </p:nvPr>
-        </p:nvSpPr>
-        <p:spPr/>
-        <p:txBody>
-          <a:bodyPr/>
-          <a:lstStyle/>
-          <a:p>
-            <a:endParaRPr lang="en-US"/>
-          </a:p>
-        </p:txBody>
-      </p:sp>
-      <p:sp>
-        <p:nvSpPr>
-          <p:cNvPr id="7" name="Slide Number Placeholder 6"/>
-          <p:cNvSpPr>
-            <a:spLocks noGrp="1"/>
-          </p:cNvSpPr>
-          <p:nvPr>
-            <p:ph idx="12" sz="quarter" type="sldNum"/>
-          </p:nvPr>
-        </p:nvSpPr>
-        <p:spPr/>
-        <p:txBody>
-          <a:bodyPr/>
-          <a:lstStyle/>
-          <a:p>
-            <a:fld id="{B6F15528-21DE-4FAA-801E-634DDDAF4B2B}" type="slidenum">
-              <a:rPr lang="en-US" smtClean="0"/>
-              <a:pPr/>
               <a:t>‹#›</a:t>
             </a:fld>
             <a:endParaRPr lang="en-US"/>
@@ -1378,6 +1287,11 @@
         </p:txBody>
       </p:sp>
     </p:spTree>
+    <p:extLst>
+      <p:ext uri="{BB962C8B-B14F-4D97-AF65-F5344CB8AC3E}">
+        <p14:creationId xmlns:p14="http://schemas.microsoft.com/office/powerpoint/2010/main" val="1203092039"/>
+      </p:ext>
+    </p:extLst>
   </p:cSld>
   <p:clrMapOvr>
     <a:masterClrMapping/>
@@ -1412,37 +1326,37 @@
             <p:ph type="title"/>
           </p:nvPr>
         </p:nvSpPr>
-        <p:spPr/>
-        <p:txBody>
-          <a:bodyPr/>
-          <a:lstStyle>
-            <a:lvl1pPr>
-              <a:defRPr/>
-            </a:lvl1pPr>
-          </a:lstStyle>
-          <a:p>
-            <a:r>
-              <a:rPr lang="en-US" smtClean="0"/>
-              <a:t>Click to edit Master title style</a:t>
-            </a:r>
-            <a:endParaRPr lang="en-US"/>
-          </a:p>
-        </p:txBody>
-      </p:sp>
-      <p:sp>
-        <p:nvSpPr>
-          <p:cNvPr id="3" name="Text Placeholder 2"/>
-          <p:cNvSpPr>
-            <a:spLocks noGrp="1"/>
-          </p:cNvSpPr>
-          <p:nvPr>
-            <p:ph idx="1" type="body"/>
-          </p:nvPr>
-        </p:nvSpPr>
         <p:spPr>
           <a:xfrm>
-            <a:off x="457200" y="1535113"/>
-            <a:ext cx="4040188" cy="639762"/>
+            <a:off x="839788" y="365125"/>
+            <a:ext cx="10515600" cy="1325563"/>
+          </a:xfrm>
+        </p:spPr>
+        <p:txBody>
+          <a:bodyPr/>
+          <a:lstStyle/>
+          <a:p>
+            <a:r>
+              <a:rPr lang="en-US"/>
+              <a:t>Click to edit Master title style</a:t>
+            </a:r>
+          </a:p>
+        </p:txBody>
+      </p:sp>
+      <p:sp>
+        <p:nvSpPr>
+          <p:cNvPr id="3" name="Text Placeholder 2"/>
+          <p:cNvSpPr>
+            <a:spLocks noGrp="1"/>
+          </p:cNvSpPr>
+          <p:nvPr>
+            <p:ph idx="1" type="body"/>
+          </p:nvPr>
+        </p:nvSpPr>
+        <p:spPr>
+          <a:xfrm>
+            <a:off x="839788" y="1681163"/>
+            <a:ext cx="5157787" cy="823912"/>
           </a:xfrm>
         </p:spPr>
         <p:txBody>
@@ -1488,7 +1402,7 @@
           <a:p>
             <a:pPr lvl="0"/>
             <a:r>
-              <a:rPr lang="en-US" smtClean="0"/>
+              <a:rPr lang="en-US"/>
               <a:t>Click to edit Master text styles</a:t>
             </a:r>
           </a:p>
@@ -1506,76 +1420,47 @@
         </p:nvSpPr>
         <p:spPr>
           <a:xfrm>
-            <a:off x="457200" y="2174875"/>
-            <a:ext cx="4040188" cy="3951288"/>
+            <a:off x="839788" y="2505075"/>
+            <a:ext cx="5157787" cy="3684588"/>
           </a:xfrm>
         </p:spPr>
         <p:txBody>
           <a:bodyPr/>
-          <a:lstStyle>
-            <a:lvl1pPr>
-              <a:defRPr sz="2400"/>
-            </a:lvl1pPr>
-            <a:lvl2pPr>
-              <a:defRPr sz="2000"/>
-            </a:lvl2pPr>
-            <a:lvl3pPr>
-              <a:defRPr sz="1800"/>
-            </a:lvl3pPr>
-            <a:lvl4pPr>
-              <a:defRPr sz="1600"/>
-            </a:lvl4pPr>
-            <a:lvl5pPr>
-              <a:defRPr sz="1600"/>
-            </a:lvl5pPr>
-            <a:lvl6pPr>
-              <a:defRPr sz="1600"/>
-            </a:lvl6pPr>
-            <a:lvl7pPr>
-              <a:defRPr sz="1600"/>
-            </a:lvl7pPr>
-            <a:lvl8pPr>
-              <a:defRPr sz="1600"/>
-            </a:lvl8pPr>
-            <a:lvl9pPr>
-              <a:defRPr sz="1600"/>
-            </a:lvl9pPr>
-          </a:lstStyle>
+          <a:lstStyle/>
           <a:p>
             <a:pPr lvl="0"/>
             <a:r>
-              <a:rPr lang="en-US" smtClean="0"/>
+              <a:rPr lang="en-US"/>
               <a:t>Click to edit Master text styles</a:t>
             </a:r>
           </a:p>
           <a:p>
             <a:pPr lvl="1"/>
             <a:r>
-              <a:rPr lang="en-US" smtClean="0"/>
+              <a:rPr lang="en-US"/>
               <a:t>Second level</a:t>
             </a:r>
           </a:p>
           <a:p>
             <a:pPr lvl="2"/>
             <a:r>
-              <a:rPr lang="en-US" smtClean="0"/>
+              <a:rPr lang="en-US"/>
               <a:t>Third level</a:t>
             </a:r>
           </a:p>
           <a:p>
             <a:pPr lvl="3"/>
             <a:r>
-              <a:rPr lang="en-US" smtClean="0"/>
+              <a:rPr lang="en-US"/>
               <a:t>Fourth level</a:t>
             </a:r>
           </a:p>
           <a:p>
             <a:pPr lvl="4"/>
             <a:r>
-              <a:rPr lang="en-US" smtClean="0"/>
+              <a:rPr lang="en-US"/>
               <a:t>Fifth level</a:t>
             </a:r>
-            <a:endParaRPr lang="en-US"/>
           </a:p>
         </p:txBody>
       </p:sp>
@@ -1591,8 +1476,8 @@
         </p:nvSpPr>
         <p:spPr>
           <a:xfrm>
-            <a:off x="4645025" y="1535113"/>
-            <a:ext cx="4041775" cy="639762"/>
+            <a:off x="6172200" y="1681163"/>
+            <a:ext cx="5183188" cy="823912"/>
           </a:xfrm>
         </p:spPr>
         <p:txBody>
@@ -1638,7 +1523,7 @@
           <a:p>
             <a:pPr lvl="0"/>
             <a:r>
-              <a:rPr lang="en-US" smtClean="0"/>
+              <a:rPr lang="en-US"/>
               <a:t>Click to edit Master text styles</a:t>
             </a:r>
           </a:p>
@@ -1656,140 +1541,109 @@
         </p:nvSpPr>
         <p:spPr>
           <a:xfrm>
-            <a:off x="4645025" y="2174875"/>
-            <a:ext cx="4041775" cy="3951288"/>
+            <a:off x="6172200" y="2505075"/>
+            <a:ext cx="5183188" cy="3684588"/>
           </a:xfrm>
         </p:spPr>
         <p:txBody>
           <a:bodyPr/>
-          <a:lstStyle>
-            <a:lvl1pPr>
-              <a:defRPr sz="2400"/>
-            </a:lvl1pPr>
-            <a:lvl2pPr>
-              <a:defRPr sz="2000"/>
-            </a:lvl2pPr>
-            <a:lvl3pPr>
-              <a:defRPr sz="1800"/>
-            </a:lvl3pPr>
-            <a:lvl4pPr>
-              <a:defRPr sz="1600"/>
-            </a:lvl4pPr>
-            <a:lvl5pPr>
-              <a:defRPr sz="1600"/>
-            </a:lvl5pPr>
-            <a:lvl6pPr>
-              <a:defRPr sz="1600"/>
-            </a:lvl6pPr>
-            <a:lvl7pPr>
-              <a:defRPr sz="1600"/>
-            </a:lvl7pPr>
-            <a:lvl8pPr>
-              <a:defRPr sz="1600"/>
-            </a:lvl8pPr>
-            <a:lvl9pPr>
-              <a:defRPr sz="1600"/>
-            </a:lvl9pPr>
-          </a:lstStyle>
+          <a:lstStyle/>
           <a:p>
             <a:pPr lvl="0"/>
             <a:r>
+              <a:rPr lang="en-US"/>
+              <a:t>Click to edit Master text styles</a:t>
+            </a:r>
+          </a:p>
+          <a:p>
+            <a:pPr lvl="1"/>
+            <a:r>
+              <a:rPr lang="en-US"/>
+              <a:t>Second level</a:t>
+            </a:r>
+          </a:p>
+          <a:p>
+            <a:pPr lvl="2"/>
+            <a:r>
+              <a:rPr lang="en-US"/>
+              <a:t>Third level</a:t>
+            </a:r>
+          </a:p>
+          <a:p>
+            <a:pPr lvl="3"/>
+            <a:r>
+              <a:rPr lang="en-US"/>
+              <a:t>Fourth level</a:t>
+            </a:r>
+          </a:p>
+          <a:p>
+            <a:pPr lvl="4"/>
+            <a:r>
+              <a:rPr lang="en-US"/>
+              <a:t>Fifth level</a:t>
+            </a:r>
+          </a:p>
+        </p:txBody>
+      </p:sp>
+      <p:sp>
+        <p:nvSpPr>
+          <p:cNvPr id="7" name="Date Placeholder 6"/>
+          <p:cNvSpPr>
+            <a:spLocks noGrp="1"/>
+          </p:cNvSpPr>
+          <p:nvPr>
+            <p:ph idx="10" sz="half" type="dt"/>
+          </p:nvPr>
+        </p:nvSpPr>
+        <p:spPr/>
+        <p:txBody>
+          <a:bodyPr/>
+          <a:lstStyle/>
+          <a:p>
+            <a:fld id="{846CE7D5-CF57-46EF-B807-FDD0502418D4}" type="datetimeFigureOut">
               <a:rPr lang="en-US" smtClean="0"/>
-              <a:t>Click to edit Master text styles</a:t>
-            </a:r>
-          </a:p>
-          <a:p>
-            <a:pPr lvl="1"/>
-            <a:r>
+              <a:t>7/9/2018</a:t>
+            </a:fld>
+            <a:endParaRPr lang="en-US"/>
+          </a:p>
+        </p:txBody>
+      </p:sp>
+      <p:sp>
+        <p:nvSpPr>
+          <p:cNvPr id="8" name="Footer Placeholder 7"/>
+          <p:cNvSpPr>
+            <a:spLocks noGrp="1"/>
+          </p:cNvSpPr>
+          <p:nvPr>
+            <p:ph idx="11" sz="quarter" type="ftr"/>
+          </p:nvPr>
+        </p:nvSpPr>
+        <p:spPr/>
+        <p:txBody>
+          <a:bodyPr/>
+          <a:lstStyle/>
+          <a:p>
+            <a:endParaRPr lang="en-US"/>
+          </a:p>
+        </p:txBody>
+      </p:sp>
+      <p:sp>
+        <p:nvSpPr>
+          <p:cNvPr id="9" name="Slide Number Placeholder 8"/>
+          <p:cNvSpPr>
+            <a:spLocks noGrp="1"/>
+          </p:cNvSpPr>
+          <p:nvPr>
+            <p:ph idx="12" sz="quarter" type="sldNum"/>
+          </p:nvPr>
+        </p:nvSpPr>
+        <p:spPr/>
+        <p:txBody>
+          <a:bodyPr/>
+          <a:lstStyle/>
+          <a:p>
+            <a:fld id="{330EA680-D336-4FF7-8B7A-9848BB0A1C32}" type="slidenum">
               <a:rPr lang="en-US" smtClean="0"/>
-              <a:t>Second level</a:t>
-            </a:r>
-          </a:p>
-          <a:p>
-            <a:pPr lvl="2"/>
-            <a:r>
-              <a:rPr lang="en-US" smtClean="0"/>
-              <a:t>Third level</a:t>
-            </a:r>
-          </a:p>
-          <a:p>
-            <a:pPr lvl="3"/>
-            <a:r>
-              <a:rPr lang="en-US" smtClean="0"/>
-              <a:t>Fourth level</a:t>
-            </a:r>
-          </a:p>
-          <a:p>
-            <a:pPr lvl="4"/>
-            <a:r>
-              <a:rPr lang="en-US" smtClean="0"/>
-              <a:t>Fifth level</a:t>
-            </a:r>
-            <a:endParaRPr lang="en-US"/>
-          </a:p>
-        </p:txBody>
-      </p:sp>
-      <p:sp>
-        <p:nvSpPr>
-          <p:cNvPr id="7" name="Date Placeholder 6"/>
-          <p:cNvSpPr>
-            <a:spLocks noGrp="1"/>
-          </p:cNvSpPr>
-          <p:nvPr>
-            <p:ph idx="10" sz="half" type="dt"/>
-          </p:nvPr>
-        </p:nvSpPr>
-        <p:spPr/>
-        <p:txBody>
-          <a:bodyPr/>
-          <a:lstStyle/>
-          <a:p>
-            <a:fld id="{1D8BD707-D9CF-40AE-B4C6-C98DA3205C09}" type="datetimeFigureOut">
-              <a:rPr lang="en-US" smtClean="0"/>
-              <a:pPr/>
-              <a:t>8/1/2011</a:t>
-            </a:fld>
-            <a:endParaRPr lang="en-US"/>
-          </a:p>
-        </p:txBody>
-      </p:sp>
-      <p:sp>
-        <p:nvSpPr>
-          <p:cNvPr id="8" name="Footer Placeholder 7"/>
-          <p:cNvSpPr>
-            <a:spLocks noGrp="1"/>
-          </p:cNvSpPr>
-          <p:nvPr>
-            <p:ph idx="11" sz="quarter" type="ftr"/>
-          </p:nvPr>
-        </p:nvSpPr>
-        <p:spPr/>
-        <p:txBody>
-          <a:bodyPr/>
-          <a:lstStyle/>
-          <a:p>
-            <a:endParaRPr lang="en-US"/>
-          </a:p>
-        </p:txBody>
-      </p:sp>
-      <p:sp>
-        <p:nvSpPr>
-          <p:cNvPr id="9" name="Slide Number Placeholder 8"/>
-          <p:cNvSpPr>
-            <a:spLocks noGrp="1"/>
-          </p:cNvSpPr>
-          <p:nvPr>
-            <p:ph idx="12" sz="quarter" type="sldNum"/>
-          </p:nvPr>
-        </p:nvSpPr>
-        <p:spPr/>
-        <p:txBody>
-          <a:bodyPr/>
-          <a:lstStyle/>
-          <a:p>
-            <a:fld id="{B6F15528-21DE-4FAA-801E-634DDDAF4B2B}" type="slidenum">
-              <a:rPr lang="en-US" smtClean="0"/>
-              <a:pPr/>
               <a:t>‹#›</a:t>
             </a:fld>
             <a:endParaRPr lang="en-US"/>
@@ -1797,6 +1651,11 @@
         </p:txBody>
       </p:sp>
     </p:spTree>
+    <p:extLst>
+      <p:ext uri="{BB962C8B-B14F-4D97-AF65-F5344CB8AC3E}">
+        <p14:creationId xmlns:p14="http://schemas.microsoft.com/office/powerpoint/2010/main" val="3733172339"/>
+      </p:ext>
+    </p:extLst>
   </p:cSld>
   <p:clrMapOvr>
     <a:masterClrMapping/>
@@ -1837,74 +1696,71 @@
           <a:lstStyle/>
           <a:p>
             <a:r>
+              <a:rPr lang="en-US"/>
+              <a:t>Click to edit Master title style</a:t>
+            </a:r>
+          </a:p>
+        </p:txBody>
+      </p:sp>
+      <p:sp>
+        <p:nvSpPr>
+          <p:cNvPr id="3" name="Date Placeholder 2"/>
+          <p:cNvSpPr>
+            <a:spLocks noGrp="1"/>
+          </p:cNvSpPr>
+          <p:nvPr>
+            <p:ph idx="10" sz="half" type="dt"/>
+          </p:nvPr>
+        </p:nvSpPr>
+        <p:spPr/>
+        <p:txBody>
+          <a:bodyPr/>
+          <a:lstStyle/>
+          <a:p>
+            <a:fld id="{846CE7D5-CF57-46EF-B807-FDD0502418D4}" type="datetimeFigureOut">
               <a:rPr lang="en-US" smtClean="0"/>
-              <a:t>Click to edit Master title style</a:t>
-            </a:r>
-            <a:endParaRPr lang="en-US"/>
-          </a:p>
-        </p:txBody>
-      </p:sp>
-      <p:sp>
-        <p:nvSpPr>
-          <p:cNvPr id="3" name="Date Placeholder 2"/>
-          <p:cNvSpPr>
-            <a:spLocks noGrp="1"/>
-          </p:cNvSpPr>
-          <p:nvPr>
-            <p:ph idx="10" sz="half" type="dt"/>
-          </p:nvPr>
-        </p:nvSpPr>
-        <p:spPr/>
-        <p:txBody>
-          <a:bodyPr/>
-          <a:lstStyle/>
-          <a:p>
-            <a:fld id="{1D8BD707-D9CF-40AE-B4C6-C98DA3205C09}" type="datetimeFigureOut">
+              <a:t>7/9/2018</a:t>
+            </a:fld>
+            <a:endParaRPr lang="en-US"/>
+          </a:p>
+        </p:txBody>
+      </p:sp>
+      <p:sp>
+        <p:nvSpPr>
+          <p:cNvPr id="4" name="Footer Placeholder 3"/>
+          <p:cNvSpPr>
+            <a:spLocks noGrp="1"/>
+          </p:cNvSpPr>
+          <p:nvPr>
+            <p:ph idx="11" sz="quarter" type="ftr"/>
+          </p:nvPr>
+        </p:nvSpPr>
+        <p:spPr/>
+        <p:txBody>
+          <a:bodyPr/>
+          <a:lstStyle/>
+          <a:p>
+            <a:endParaRPr lang="en-US"/>
+          </a:p>
+        </p:txBody>
+      </p:sp>
+      <p:sp>
+        <p:nvSpPr>
+          <p:cNvPr id="5" name="Slide Number Placeholder 4"/>
+          <p:cNvSpPr>
+            <a:spLocks noGrp="1"/>
+          </p:cNvSpPr>
+          <p:nvPr>
+            <p:ph idx="12" sz="quarter" type="sldNum"/>
+          </p:nvPr>
+        </p:nvSpPr>
+        <p:spPr/>
+        <p:txBody>
+          <a:bodyPr/>
+          <a:lstStyle/>
+          <a:p>
+            <a:fld id="{330EA680-D336-4FF7-8B7A-9848BB0A1C32}" type="slidenum">
               <a:rPr lang="en-US" smtClean="0"/>
-              <a:pPr/>
-              <a:t>8/1/2011</a:t>
-            </a:fld>
-            <a:endParaRPr lang="en-US"/>
-          </a:p>
-        </p:txBody>
-      </p:sp>
-      <p:sp>
-        <p:nvSpPr>
-          <p:cNvPr id="4" name="Footer Placeholder 3"/>
-          <p:cNvSpPr>
-            <a:spLocks noGrp="1"/>
-          </p:cNvSpPr>
-          <p:nvPr>
-            <p:ph idx="11" sz="quarter" type="ftr"/>
-          </p:nvPr>
-        </p:nvSpPr>
-        <p:spPr/>
-        <p:txBody>
-          <a:bodyPr/>
-          <a:lstStyle/>
-          <a:p>
-            <a:endParaRPr lang="en-US"/>
-          </a:p>
-        </p:txBody>
-      </p:sp>
-      <p:sp>
-        <p:nvSpPr>
-          <p:cNvPr id="5" name="Slide Number Placeholder 4"/>
-          <p:cNvSpPr>
-            <a:spLocks noGrp="1"/>
-          </p:cNvSpPr>
-          <p:nvPr>
-            <p:ph idx="12" sz="quarter" type="sldNum"/>
-          </p:nvPr>
-        </p:nvSpPr>
-        <p:spPr/>
-        <p:txBody>
-          <a:bodyPr/>
-          <a:lstStyle/>
-          <a:p>
-            <a:fld id="{B6F15528-21DE-4FAA-801E-634DDDAF4B2B}" type="slidenum">
-              <a:rPr lang="en-US" smtClean="0"/>
-              <a:pPr/>
               <a:t>‹#›</a:t>
             </a:fld>
             <a:endParaRPr lang="en-US"/>
@@ -1912,6 +1768,11 @@
         </p:txBody>
       </p:sp>
     </p:spTree>
+    <p:extLst>
+      <p:ext uri="{BB962C8B-B14F-4D97-AF65-F5344CB8AC3E}">
+        <p14:creationId xmlns:p14="http://schemas.microsoft.com/office/powerpoint/2010/main" val="3210312558"/>
+      </p:ext>
+    </p:extLst>
   </p:cSld>
   <p:clrMapOvr>
     <a:masterClrMapping/>
@@ -1951,10 +1812,9 @@
           <a:bodyPr/>
           <a:lstStyle/>
           <a:p>
-            <a:fld id="{1D8BD707-D9CF-40AE-B4C6-C98DA3205C09}" type="datetimeFigureOut">
+            <a:fld id="{846CE7D5-CF57-46EF-B807-FDD0502418D4}" type="datetimeFigureOut">
               <a:rPr lang="en-US" smtClean="0"/>
-              <a:pPr/>
-              <a:t>8/1/2011</a:t>
+              <a:t>7/9/2018</a:t>
             </a:fld>
             <a:endParaRPr lang="en-US"/>
           </a:p>
@@ -1994,9 +1854,8 @@
           <a:bodyPr/>
           <a:lstStyle/>
           <a:p>
-            <a:fld id="{B6F15528-21DE-4FAA-801E-634DDDAF4B2B}" type="slidenum">
+            <a:fld id="{330EA680-D336-4FF7-8B7A-9848BB0A1C32}" type="slidenum">
               <a:rPr lang="en-US" smtClean="0"/>
-              <a:pPr/>
               <a:t>‹#›</a:t>
             </a:fld>
             <a:endParaRPr lang="en-US"/>
@@ -2004,6 +1863,11 @@
         </p:txBody>
       </p:sp>
     </p:spTree>
+    <p:extLst>
+      <p:ext uri="{BB962C8B-B14F-4D97-AF65-F5344CB8AC3E}">
+        <p14:creationId xmlns:p14="http://schemas.microsoft.com/office/powerpoint/2010/main" val="3146388984"/>
+      </p:ext>
+    </p:extLst>
   </p:cSld>
   <p:clrMapOvr>
     <a:masterClrMapping/>
@@ -2040,23 +1904,22 @@
         </p:nvSpPr>
         <p:spPr>
           <a:xfrm>
-            <a:off x="457200" y="273050"/>
-            <a:ext cx="3008313" cy="1162050"/>
+            <a:off x="839788" y="457200"/>
+            <a:ext cx="3932237" cy="1600200"/>
           </a:xfrm>
         </p:spPr>
         <p:txBody>
           <a:bodyPr anchor="b"/>
           <a:lstStyle>
-            <a:lvl1pPr algn="l">
-              <a:defRPr b="1" sz="2000"/>
+            <a:lvl1pPr>
+              <a:defRPr sz="3200"/>
             </a:lvl1pPr>
           </a:lstStyle>
           <a:p>
             <a:r>
-              <a:rPr lang="en-US" smtClean="0"/>
+              <a:rPr lang="en-US"/>
               <a:t>Click to edit Master title style</a:t>
             </a:r>
-            <a:endParaRPr lang="en-US"/>
           </a:p>
         </p:txBody>
       </p:sp>
@@ -2072,8 +1935,8 @@
         </p:nvSpPr>
         <p:spPr>
           <a:xfrm>
-            <a:off x="3575050" y="273050"/>
-            <a:ext cx="5111750" cy="5853113"/>
+            <a:off x="5183188" y="987425"/>
+            <a:ext cx="6172200" cy="4873625"/>
           </a:xfrm>
         </p:spPr>
         <p:txBody>
@@ -2110,38 +1973,37 @@
           <a:p>
             <a:pPr lvl="0"/>
             <a:r>
-              <a:rPr lang="en-US" smtClean="0"/>
+              <a:rPr lang="en-US"/>
               <a:t>Click to edit Master text styles</a:t>
             </a:r>
           </a:p>
           <a:p>
             <a:pPr lvl="1"/>
             <a:r>
-              <a:rPr lang="en-US" smtClean="0"/>
+              <a:rPr lang="en-US"/>
               <a:t>Second level</a:t>
             </a:r>
           </a:p>
           <a:p>
             <a:pPr lvl="2"/>
             <a:r>
-              <a:rPr lang="en-US" smtClean="0"/>
+              <a:rPr lang="en-US"/>
               <a:t>Third level</a:t>
             </a:r>
           </a:p>
           <a:p>
             <a:pPr lvl="3"/>
             <a:r>
-              <a:rPr lang="en-US" smtClean="0"/>
+              <a:rPr lang="en-US"/>
               <a:t>Fourth level</a:t>
             </a:r>
           </a:p>
           <a:p>
             <a:pPr lvl="4"/>
             <a:r>
-              <a:rPr lang="en-US" smtClean="0"/>
+              <a:rPr lang="en-US"/>
               <a:t>Fifth level</a:t>
             </a:r>
-            <a:endParaRPr lang="en-US"/>
           </a:p>
         </p:txBody>
       </p:sp>
@@ -2157,8 +2019,8 @@
         </p:nvSpPr>
         <p:spPr>
           <a:xfrm>
-            <a:off x="457200" y="1435100"/>
-            <a:ext cx="3008313" cy="4691063"/>
+            <a:off x="839788" y="2057400"/>
+            <a:ext cx="3932237" cy="3811588"/>
           </a:xfrm>
         </p:spPr>
         <p:txBody>
@@ -2166,111 +2028,109 @@
           <a:lstStyle>
             <a:lvl1pPr indent="0" marL="0">
               <a:buNone/>
-              <a:defRPr sz="1400"/>
+              <a:defRPr sz="1600"/>
             </a:lvl1pPr>
             <a:lvl2pPr indent="0" marL="457200">
               <a:buNone/>
-              <a:defRPr sz="1200"/>
+              <a:defRPr sz="1400"/>
             </a:lvl2pPr>
             <a:lvl3pPr indent="0" marL="914400">
               <a:buNone/>
-              <a:defRPr sz="1000"/>
+              <a:defRPr sz="1200"/>
             </a:lvl3pPr>
             <a:lvl4pPr indent="0" marL="1371600">
               <a:buNone/>
-              <a:defRPr sz="900"/>
+              <a:defRPr sz="1000"/>
             </a:lvl4pPr>
             <a:lvl5pPr indent="0" marL="1828800">
               <a:buNone/>
-              <a:defRPr sz="900"/>
+              <a:defRPr sz="1000"/>
             </a:lvl5pPr>
             <a:lvl6pPr indent="0" marL="2286000">
               <a:buNone/>
-              <a:defRPr sz="900"/>
+              <a:defRPr sz="1000"/>
             </a:lvl6pPr>
             <a:lvl7pPr indent="0" marL="2743200">
               <a:buNone/>
-              <a:defRPr sz="900"/>
+              <a:defRPr sz="1000"/>
             </a:lvl7pPr>
             <a:lvl8pPr indent="0" marL="3200400">
               <a:buNone/>
-              <a:defRPr sz="900"/>
+              <a:defRPr sz="1000"/>
             </a:lvl8pPr>
             <a:lvl9pPr indent="0" marL="3657600">
               <a:buNone/>
-              <a:defRPr sz="900"/>
+              <a:defRPr sz="1000"/>
             </a:lvl9pPr>
           </a:lstStyle>
           <a:p>
             <a:pPr lvl="0"/>
             <a:r>
+              <a:rPr lang="en-US"/>
+              <a:t>Click to edit Master text styles</a:t>
+            </a:r>
+          </a:p>
+        </p:txBody>
+      </p:sp>
+      <p:sp>
+        <p:nvSpPr>
+          <p:cNvPr id="5" name="Date Placeholder 4"/>
+          <p:cNvSpPr>
+            <a:spLocks noGrp="1"/>
+          </p:cNvSpPr>
+          <p:nvPr>
+            <p:ph idx="10" sz="half" type="dt"/>
+          </p:nvPr>
+        </p:nvSpPr>
+        <p:spPr/>
+        <p:txBody>
+          <a:bodyPr/>
+          <a:lstStyle/>
+          <a:p>
+            <a:fld id="{846CE7D5-CF57-46EF-B807-FDD0502418D4}" type="datetimeFigureOut">
               <a:rPr lang="en-US" smtClean="0"/>
-              <a:t>Click to edit Master text styles</a:t>
-            </a:r>
-          </a:p>
-        </p:txBody>
-      </p:sp>
-      <p:sp>
-        <p:nvSpPr>
-          <p:cNvPr id="5" name="Date Placeholder 4"/>
-          <p:cNvSpPr>
-            <a:spLocks noGrp="1"/>
-          </p:cNvSpPr>
-          <p:nvPr>
-            <p:ph idx="10" sz="half" type="dt"/>
-          </p:nvPr>
-        </p:nvSpPr>
-        <p:spPr/>
-        <p:txBody>
-          <a:bodyPr/>
-          <a:lstStyle/>
-          <a:p>
-            <a:fld id="{1D8BD707-D9CF-40AE-B4C6-C98DA3205C09}" type="datetimeFigureOut">
+              <a:t>7/9/2018</a:t>
+            </a:fld>
+            <a:endParaRPr lang="en-US"/>
+          </a:p>
+        </p:txBody>
+      </p:sp>
+      <p:sp>
+        <p:nvSpPr>
+          <p:cNvPr id="6" name="Footer Placeholder 5"/>
+          <p:cNvSpPr>
+            <a:spLocks noGrp="1"/>
+          </p:cNvSpPr>
+          <p:nvPr>
+            <p:ph idx="11" sz="quarter" type="ftr"/>
+          </p:nvPr>
+        </p:nvSpPr>
+        <p:spPr/>
+        <p:txBody>
+          <a:bodyPr/>
+          <a:lstStyle/>
+          <a:p>
+            <a:endParaRPr lang="en-US"/>
+          </a:p>
+        </p:txBody>
+      </p:sp>
+      <p:sp>
+        <p:nvSpPr>
+          <p:cNvPr id="7" name="Slide Number Placeholder 6"/>
+          <p:cNvSpPr>
+            <a:spLocks noGrp="1"/>
+          </p:cNvSpPr>
+          <p:nvPr>
+            <p:ph idx="12" sz="quarter" type="sldNum"/>
+          </p:nvPr>
+        </p:nvSpPr>
+        <p:spPr/>
+        <p:txBody>
+          <a:bodyPr/>
+          <a:lstStyle/>
+          <a:p>
+            <a:fld id="{330EA680-D336-4FF7-8B7A-9848BB0A1C32}" type="slidenum">
               <a:rPr lang="en-US" smtClean="0"/>
-              <a:pPr/>
-              <a:t>8/1/2011</a:t>
-            </a:fld>
-            <a:endParaRPr lang="en-US"/>
-          </a:p>
-        </p:txBody>
-      </p:sp>
-      <p:sp>
-        <p:nvSpPr>
-          <p:cNvPr id="6" name="Footer Placeholder 5"/>
-          <p:cNvSpPr>
-            <a:spLocks noGrp="1"/>
-          </p:cNvSpPr>
-          <p:nvPr>
-            <p:ph idx="11" sz="quarter" type="ftr"/>
-          </p:nvPr>
-        </p:nvSpPr>
-        <p:spPr/>
-        <p:txBody>
-          <a:bodyPr/>
-          <a:lstStyle/>
-          <a:p>
-            <a:endParaRPr lang="en-US"/>
-          </a:p>
-        </p:txBody>
-      </p:sp>
-      <p:sp>
-        <p:nvSpPr>
-          <p:cNvPr id="7" name="Slide Number Placeholder 6"/>
-          <p:cNvSpPr>
-            <a:spLocks noGrp="1"/>
-          </p:cNvSpPr>
-          <p:nvPr>
-            <p:ph idx="12" sz="quarter" type="sldNum"/>
-          </p:nvPr>
-        </p:nvSpPr>
-        <p:spPr/>
-        <p:txBody>
-          <a:bodyPr/>
-          <a:lstStyle/>
-          <a:p>
-            <a:fld id="{B6F15528-21DE-4FAA-801E-634DDDAF4B2B}" type="slidenum">
-              <a:rPr lang="en-US" smtClean="0"/>
-              <a:pPr/>
               <a:t>‹#›</a:t>
             </a:fld>
             <a:endParaRPr lang="en-US"/>
@@ -2278,6 +2138,11 @@
         </p:txBody>
       </p:sp>
     </p:spTree>
+    <p:extLst>
+      <p:ext uri="{BB962C8B-B14F-4D97-AF65-F5344CB8AC3E}">
+        <p14:creationId xmlns:p14="http://schemas.microsoft.com/office/powerpoint/2010/main" val="3171841454"/>
+      </p:ext>
+    </p:extLst>
   </p:cSld>
   <p:clrMapOvr>
     <a:masterClrMapping/>
@@ -2314,23 +2179,22 @@
         </p:nvSpPr>
         <p:spPr>
           <a:xfrm>
-            <a:off x="1792288" y="4800600"/>
-            <a:ext cx="5486400" cy="566738"/>
+            <a:off x="839788" y="457200"/>
+            <a:ext cx="3932237" cy="1600200"/>
           </a:xfrm>
         </p:spPr>
         <p:txBody>
           <a:bodyPr anchor="b"/>
           <a:lstStyle>
-            <a:lvl1pPr algn="l">
-              <a:defRPr b="1" sz="2000"/>
+            <a:lvl1pPr>
+              <a:defRPr sz="3200"/>
             </a:lvl1pPr>
           </a:lstStyle>
           <a:p>
             <a:r>
-              <a:rPr lang="en-US" smtClean="0"/>
+              <a:rPr lang="en-US"/>
               <a:t>Click to edit Master title style</a:t>
             </a:r>
-            <a:endParaRPr lang="en-US"/>
           </a:p>
         </p:txBody>
       </p:sp>
@@ -2338,7 +2202,7 @@
         <p:nvSpPr>
           <p:cNvPr id="3" name="Picture Placeholder 2"/>
           <p:cNvSpPr>
-            <a:spLocks noGrp="1"/>
+            <a:spLocks noChangeAspect="1" noGrp="1"/>
           </p:cNvSpPr>
           <p:nvPr>
             <p:ph idx="1" type="pic"/>
@@ -2346,12 +2210,12 @@
         </p:nvSpPr>
         <p:spPr>
           <a:xfrm>
-            <a:off x="1792288" y="612775"/>
-            <a:ext cx="5486400" cy="4114800"/>
+            <a:off x="5183188" y="987425"/>
+            <a:ext cx="6172200" cy="4873625"/>
           </a:xfrm>
         </p:spPr>
         <p:txBody>
-          <a:bodyPr/>
+          <a:bodyPr anchor="t"/>
           <a:lstStyle>
             <a:lvl1pPr indent="0" marL="0">
               <a:buNone/>
@@ -2391,7 +2255,10 @@
             </a:lvl9pPr>
           </a:lstStyle>
           <a:p>
-            <a:endParaRPr lang="en-US"/>
+            <a:r>
+              <a:rPr lang="en-US"/>
+              <a:t>Click icon to add picture</a:t>
+            </a:r>
           </a:p>
         </p:txBody>
       </p:sp>
@@ -2407,8 +2274,8 @@
         </p:nvSpPr>
         <p:spPr>
           <a:xfrm>
-            <a:off x="1792288" y="5367338"/>
-            <a:ext cx="5486400" cy="804862"/>
+            <a:off x="839788" y="2057400"/>
+            <a:ext cx="3932237" cy="3811588"/>
           </a:xfrm>
         </p:spPr>
         <p:txBody>
@@ -2416,111 +2283,109 @@
           <a:lstStyle>
             <a:lvl1pPr indent="0" marL="0">
               <a:buNone/>
-              <a:defRPr sz="1400"/>
+              <a:defRPr sz="1600"/>
             </a:lvl1pPr>
             <a:lvl2pPr indent="0" marL="457200">
               <a:buNone/>
-              <a:defRPr sz="1200"/>
+              <a:defRPr sz="1400"/>
             </a:lvl2pPr>
             <a:lvl3pPr indent="0" marL="914400">
               <a:buNone/>
-              <a:defRPr sz="1000"/>
+              <a:defRPr sz="1200"/>
             </a:lvl3pPr>
             <a:lvl4pPr indent="0" marL="1371600">
               <a:buNone/>
-              <a:defRPr sz="900"/>
+              <a:defRPr sz="1000"/>
             </a:lvl4pPr>
             <a:lvl5pPr indent="0" marL="1828800">
               <a:buNone/>
-              <a:defRPr sz="900"/>
+              <a:defRPr sz="1000"/>
             </a:lvl5pPr>
             <a:lvl6pPr indent="0" marL="2286000">
               <a:buNone/>
-              <a:defRPr sz="900"/>
+              <a:defRPr sz="1000"/>
             </a:lvl6pPr>
             <a:lvl7pPr indent="0" marL="2743200">
               <a:buNone/>
-              <a:defRPr sz="900"/>
+              <a:defRPr sz="1000"/>
             </a:lvl7pPr>
             <a:lvl8pPr indent="0" marL="3200400">
               <a:buNone/>
-              <a:defRPr sz="900"/>
+              <a:defRPr sz="1000"/>
             </a:lvl8pPr>
             <a:lvl9pPr indent="0" marL="3657600">
               <a:buNone/>
-              <a:defRPr sz="900"/>
+              <a:defRPr sz="1000"/>
             </a:lvl9pPr>
           </a:lstStyle>
           <a:p>
             <a:pPr lvl="0"/>
             <a:r>
+              <a:rPr lang="en-US"/>
+              <a:t>Click to edit Master text styles</a:t>
+            </a:r>
+          </a:p>
+        </p:txBody>
+      </p:sp>
+      <p:sp>
+        <p:nvSpPr>
+          <p:cNvPr id="5" name="Date Placeholder 4"/>
+          <p:cNvSpPr>
+            <a:spLocks noGrp="1"/>
+          </p:cNvSpPr>
+          <p:nvPr>
+            <p:ph idx="10" sz="half" type="dt"/>
+          </p:nvPr>
+        </p:nvSpPr>
+        <p:spPr/>
+        <p:txBody>
+          <a:bodyPr/>
+          <a:lstStyle/>
+          <a:p>
+            <a:fld id="{846CE7D5-CF57-46EF-B807-FDD0502418D4}" type="datetimeFigureOut">
               <a:rPr lang="en-US" smtClean="0"/>
-              <a:t>Click to edit Master text styles</a:t>
-            </a:r>
-          </a:p>
-        </p:txBody>
-      </p:sp>
-      <p:sp>
-        <p:nvSpPr>
-          <p:cNvPr id="5" name="Date Placeholder 4"/>
-          <p:cNvSpPr>
-            <a:spLocks noGrp="1"/>
-          </p:cNvSpPr>
-          <p:nvPr>
-            <p:ph idx="10" sz="half" type="dt"/>
-          </p:nvPr>
-        </p:nvSpPr>
-        <p:spPr/>
-        <p:txBody>
-          <a:bodyPr/>
-          <a:lstStyle/>
-          <a:p>
-            <a:fld id="{1D8BD707-D9CF-40AE-B4C6-C98DA3205C09}" type="datetimeFigureOut">
+              <a:t>7/9/2018</a:t>
+            </a:fld>
+            <a:endParaRPr lang="en-US"/>
+          </a:p>
+        </p:txBody>
+      </p:sp>
+      <p:sp>
+        <p:nvSpPr>
+          <p:cNvPr id="6" name="Footer Placeholder 5"/>
+          <p:cNvSpPr>
+            <a:spLocks noGrp="1"/>
+          </p:cNvSpPr>
+          <p:nvPr>
+            <p:ph idx="11" sz="quarter" type="ftr"/>
+          </p:nvPr>
+        </p:nvSpPr>
+        <p:spPr/>
+        <p:txBody>
+          <a:bodyPr/>
+          <a:lstStyle/>
+          <a:p>
+            <a:endParaRPr lang="en-US"/>
+          </a:p>
+        </p:txBody>
+      </p:sp>
+      <p:sp>
+        <p:nvSpPr>
+          <p:cNvPr id="7" name="Slide Number Placeholder 6"/>
+          <p:cNvSpPr>
+            <a:spLocks noGrp="1"/>
+          </p:cNvSpPr>
+          <p:nvPr>
+            <p:ph idx="12" sz="quarter" type="sldNum"/>
+          </p:nvPr>
+        </p:nvSpPr>
+        <p:spPr/>
+        <p:txBody>
+          <a:bodyPr/>
+          <a:lstStyle/>
+          <a:p>
+            <a:fld id="{330EA680-D336-4FF7-8B7A-9848BB0A1C32}" type="slidenum">
               <a:rPr lang="en-US" smtClean="0"/>
-              <a:pPr/>
-              <a:t>8/1/2011</a:t>
-            </a:fld>
-            <a:endParaRPr lang="en-US"/>
-          </a:p>
-        </p:txBody>
-      </p:sp>
-      <p:sp>
-        <p:nvSpPr>
-          <p:cNvPr id="6" name="Footer Placeholder 5"/>
-          <p:cNvSpPr>
-            <a:spLocks noGrp="1"/>
-          </p:cNvSpPr>
-          <p:nvPr>
-            <p:ph idx="11" sz="quarter" type="ftr"/>
-          </p:nvPr>
-        </p:nvSpPr>
-        <p:spPr/>
-        <p:txBody>
-          <a:bodyPr/>
-          <a:lstStyle/>
-          <a:p>
-            <a:endParaRPr lang="en-US"/>
-          </a:p>
-        </p:txBody>
-      </p:sp>
-      <p:sp>
-        <p:nvSpPr>
-          <p:cNvPr id="7" name="Slide Number Placeholder 6"/>
-          <p:cNvSpPr>
-            <a:spLocks noGrp="1"/>
-          </p:cNvSpPr>
-          <p:nvPr>
-            <p:ph idx="12" sz="quarter" type="sldNum"/>
-          </p:nvPr>
-        </p:nvSpPr>
-        <p:spPr/>
-        <p:txBody>
-          <a:bodyPr/>
-          <a:lstStyle/>
-          <a:p>
-            <a:fld id="{B6F15528-21DE-4FAA-801E-634DDDAF4B2B}" type="slidenum">
-              <a:rPr lang="en-US" smtClean="0"/>
-              <a:pPr/>
               <a:t>‹#›</a:t>
             </a:fld>
             <a:endParaRPr lang="en-US"/>
@@ -2528,6 +2393,11 @@
         </p:txBody>
       </p:sp>
     </p:spTree>
+    <p:extLst>
+      <p:ext uri="{BB962C8B-B14F-4D97-AF65-F5344CB8AC3E}">
+        <p14:creationId xmlns:p14="http://schemas.microsoft.com/office/powerpoint/2010/main" val="1718958274"/>
+      </p:ext>
+    </p:extLst>
   </p:cSld>
   <p:clrMapOvr>
     <a:masterClrMapping/>
@@ -2569,8 +2439,8 @@
         </p:nvSpPr>
         <p:spPr>
           <a:xfrm>
-            <a:off x="457200" y="274638"/>
-            <a:ext cx="8229600" cy="1143000"/>
+            <a:off x="838200" y="365125"/>
+            <a:ext cx="10515600" cy="1325563"/>
           </a:xfrm>
           <a:prstGeom prst="rect">
             <a:avLst/>
@@ -2583,10 +2453,9 @@
           <a:lstStyle/>
           <a:p>
             <a:r>
-              <a:rPr lang="en-US" smtClean="0"/>
+              <a:rPr lang="en-US"/>
               <a:t>Click to edit Master title style</a:t>
             </a:r>
-            <a:endParaRPr lang="en-US"/>
           </a:p>
         </p:txBody>
       </p:sp>
@@ -2602,8 +2471,8 @@
         </p:nvSpPr>
         <p:spPr>
           <a:xfrm>
-            <a:off x="457200" y="1600200"/>
-            <a:ext cx="8229600" cy="4525963"/>
+            <a:off x="838200" y="1825625"/>
+            <a:ext cx="10515600" cy="4351338"/>
           </a:xfrm>
           <a:prstGeom prst="rect">
             <a:avLst/>
@@ -2617,38 +2486,37 @@
           <a:p>
             <a:pPr lvl="0"/>
             <a:r>
-              <a:rPr lang="en-US" smtClean="0"/>
+              <a:rPr lang="en-US"/>
               <a:t>Click to edit Master text styles</a:t>
             </a:r>
           </a:p>
           <a:p>
             <a:pPr lvl="1"/>
             <a:r>
-              <a:rPr lang="en-US" smtClean="0"/>
+              <a:rPr lang="en-US"/>
               <a:t>Second level</a:t>
             </a:r>
           </a:p>
           <a:p>
             <a:pPr lvl="2"/>
             <a:r>
-              <a:rPr lang="en-US" smtClean="0"/>
+              <a:rPr lang="en-US"/>
               <a:t>Third level</a:t>
             </a:r>
           </a:p>
           <a:p>
             <a:pPr lvl="3"/>
             <a:r>
-              <a:rPr lang="en-US" smtClean="0"/>
+              <a:rPr lang="en-US"/>
               <a:t>Fourth level</a:t>
             </a:r>
           </a:p>
           <a:p>
             <a:pPr lvl="4"/>
             <a:r>
-              <a:rPr lang="en-US" smtClean="0"/>
+              <a:rPr lang="en-US"/>
               <a:t>Fifth level</a:t>
             </a:r>
-            <a:endParaRPr lang="en-US"/>
           </a:p>
         </p:txBody>
       </p:sp>
@@ -2664,8 +2532,8 @@
         </p:nvSpPr>
         <p:spPr>
           <a:xfrm>
-            <a:off x="457200" y="6356350"/>
-            <a:ext cx="2133600" cy="365125"/>
+            <a:off x="838200" y="6356350"/>
+            <a:ext cx="2743200" cy="365125"/>
           </a:xfrm>
           <a:prstGeom prst="rect">
             <a:avLst/>
@@ -2685,10 +2553,9 @@
             </a:lvl1pPr>
           </a:lstStyle>
           <a:p>
-            <a:fld id="{1D8BD707-D9CF-40AE-B4C6-C98DA3205C09}" type="datetimeFigureOut">
+            <a:fld id="{846CE7D5-CF57-46EF-B807-FDD0502418D4}" type="datetimeFigureOut">
               <a:rPr lang="en-US" smtClean="0"/>
-              <a:pPr/>
-              <a:t>8/1/2011</a:t>
+              <a:t>7/9/2018</a:t>
             </a:fld>
             <a:endParaRPr lang="en-US"/>
           </a:p>
@@ -2706,8 +2573,8 @@
         </p:nvSpPr>
         <p:spPr>
           <a:xfrm>
-            <a:off x="3124200" y="6356350"/>
-            <a:ext cx="2895600" cy="365125"/>
+            <a:off x="4038600" y="6356350"/>
+            <a:ext cx="4114800" cy="365125"/>
           </a:xfrm>
           <a:prstGeom prst="rect">
             <a:avLst/>
@@ -2743,8 +2610,8 @@
         </p:nvSpPr>
         <p:spPr>
           <a:xfrm>
-            <a:off x="6553200" y="6356350"/>
-            <a:ext cx="2133600" cy="365125"/>
+            <a:off x="8610600" y="6356350"/>
+            <a:ext cx="2743200" cy="365125"/>
           </a:xfrm>
           <a:prstGeom prst="rect">
             <a:avLst/>
@@ -2764,9 +2631,8 @@
             </a:lvl1pPr>
           </a:lstStyle>
           <a:p>
-            <a:fld id="{B6F15528-21DE-4FAA-801E-634DDDAF4B2B}" type="slidenum">
+            <a:fld id="{330EA680-D336-4FF7-8B7A-9848BB0A1C32}" type="slidenum">
               <a:rPr lang="en-US" smtClean="0"/>
-              <a:pPr/>
               <a:t>‹#›</a:t>
             </a:fld>
             <a:endParaRPr lang="en-US"/>
@@ -2774,24 +2640,32 @@
         </p:txBody>
       </p:sp>
     </p:spTree>
+    <p:extLst>
+      <p:ext uri="{BB962C8B-B14F-4D97-AF65-F5344CB8AC3E}">
+        <p14:creationId xmlns:p14="http://schemas.microsoft.com/office/powerpoint/2010/main" val="2460954070"/>
+      </p:ext>
+    </p:extLst>
   </p:cSld>
   <p:clrMap accent1="accent1" accent2="accent2" accent3="accent3" accent4="accent4" accent5="accent5" accent6="accent6" bg1="lt1" bg2="lt2" folHlink="folHlink" hlink="hlink" tx1="dk1" tx2="dk2"/>
   <p:sldLayoutIdLst>
-    <p:sldLayoutId id="2147483649" r:id="rId1"/>
-    <p:sldLayoutId id="2147483650" r:id="rId2"/>
-    <p:sldLayoutId id="2147483651" r:id="rId3"/>
-    <p:sldLayoutId id="2147483652" r:id="rId4"/>
-    <p:sldLayoutId id="2147483653" r:id="rId5"/>
-    <p:sldLayoutId id="2147483654" r:id="rId6"/>
-    <p:sldLayoutId id="2147483655" r:id="rId7"/>
-    <p:sldLayoutId id="2147483656" r:id="rId8"/>
-    <p:sldLayoutId id="2147483657" r:id="rId9"/>
-    <p:sldLayoutId id="2147483658" r:id="rId10"/>
-    <p:sldLayoutId id="2147483659" r:id="rId11"/>
+    <p:sldLayoutId id="2147483661" r:id="rId1"/>
+    <p:sldLayoutId id="2147483662" r:id="rId2"/>
+    <p:sldLayoutId id="2147483663" r:id="rId3"/>
+    <p:sldLayoutId id="2147483664" r:id="rId4"/>
+    <p:sldLayoutId id="2147483665" r:id="rId5"/>
+    <p:sldLayoutId id="2147483666" r:id="rId6"/>
+    <p:sldLayoutId id="2147483667" r:id="rId7"/>
+    <p:sldLayoutId id="2147483668" r:id="rId8"/>
+    <p:sldLayoutId id="2147483669" r:id="rId9"/>
+    <p:sldLayoutId id="2147483670" r:id="rId10"/>
+    <p:sldLayoutId id="2147483671" r:id="rId11"/>
   </p:sldLayoutIdLst>
   <p:txStyles>
     <p:titleStyle>
-      <a:lvl1pPr algn="ctr" defTabSz="914400" eaLnBrk="1" hangingPunct="1" latinLnBrk="0" rtl="0">
+      <a:lvl1pPr algn="l" defTabSz="914400" eaLnBrk="1" hangingPunct="1" latinLnBrk="0" rtl="0">
+        <a:lnSpc>
+          <a:spcPct val="90000"/>
+        </a:lnSpc>
         <a:spcBef>
           <a:spcPct val="0"/>
         </a:spcBef>
@@ -2807,13 +2681,16 @@
       </a:lvl1pPr>
     </p:titleStyle>
     <p:bodyStyle>
-      <a:lvl1pPr algn="l" defTabSz="914400" eaLnBrk="1" hangingPunct="1" indent="-342900" latinLnBrk="0" marL="342900" rtl="0">
+      <a:lvl1pPr algn="l" defTabSz="914400" eaLnBrk="1" hangingPunct="1" indent="-228600" latinLnBrk="0" marL="228600" rtl="0">
+        <a:lnSpc>
+          <a:spcPct val="90000"/>
+        </a:lnSpc>
         <a:spcBef>
-          <a:spcPct val="20000"/>
+          <a:spcPts val="1000"/>
         </a:spcBef>
-        <a:buFont charset="0" pitchFamily="34" typeface="Arial"/>
+        <a:buFont charset="0" panose="020B0604020202020204" pitchFamily="34" typeface="Arial"/>
         <a:buChar char="•"/>
-        <a:defRPr kern="1200" sz="3200">
+        <a:defRPr kern="1200" sz="2800">
           <a:solidFill>
             <a:schemeClr val="tx1"/>
           </a:solidFill>
@@ -2822,13 +2699,16 @@
           <a:cs typeface="+mn-cs"/>
         </a:defRPr>
       </a:lvl1pPr>
-      <a:lvl2pPr algn="l" defTabSz="914400" eaLnBrk="1" hangingPunct="1" indent="-285750" latinLnBrk="0" marL="742950" rtl="0">
+      <a:lvl2pPr algn="l" defTabSz="914400" eaLnBrk="1" hangingPunct="1" indent="-228600" latinLnBrk="0" marL="685800" rtl="0">
+        <a:lnSpc>
+          <a:spcPct val="90000"/>
+        </a:lnSpc>
         <a:spcBef>
-          <a:spcPct val="20000"/>
+          <a:spcPts val="500"/>
         </a:spcBef>
-        <a:buFont charset="0" pitchFamily="34" typeface="Arial"/>
-        <a:buChar char="–"/>
-        <a:defRPr kern="1200" sz="2800">
+        <a:buFont charset="0" panose="020B0604020202020204" pitchFamily="34" typeface="Arial"/>
+        <a:buChar char="•"/>
+        <a:defRPr kern="1200" sz="2400">
           <a:solidFill>
             <a:schemeClr val="tx1"/>
           </a:solidFill>
@@ -2838,12 +2718,15 @@
         </a:defRPr>
       </a:lvl2pPr>
       <a:lvl3pPr algn="l" defTabSz="914400" eaLnBrk="1" hangingPunct="1" indent="-228600" latinLnBrk="0" marL="1143000" rtl="0">
+        <a:lnSpc>
+          <a:spcPct val="90000"/>
+        </a:lnSpc>
         <a:spcBef>
-          <a:spcPct val="20000"/>
+          <a:spcPts val="500"/>
         </a:spcBef>
-        <a:buFont charset="0" pitchFamily="34" typeface="Arial"/>
+        <a:buFont charset="0" panose="020B0604020202020204" pitchFamily="34" typeface="Arial"/>
         <a:buChar char="•"/>
-        <a:defRPr kern="1200" sz="2400">
+        <a:defRPr kern="1200" sz="2000">
           <a:solidFill>
             <a:schemeClr val="tx1"/>
           </a:solidFill>
@@ -2853,12 +2736,15 @@
         </a:defRPr>
       </a:lvl3pPr>
       <a:lvl4pPr algn="l" defTabSz="914400" eaLnBrk="1" hangingPunct="1" indent="-228600" latinLnBrk="0" marL="1600200" rtl="0">
+        <a:lnSpc>
+          <a:spcPct val="90000"/>
+        </a:lnSpc>
         <a:spcBef>
-          <a:spcPct val="20000"/>
+          <a:spcPts val="500"/>
         </a:spcBef>
-        <a:buFont charset="0" pitchFamily="34" typeface="Arial"/>
-        <a:buChar char="–"/>
-        <a:defRPr kern="1200" sz="2000">
+        <a:buFont charset="0" panose="020B0604020202020204" pitchFamily="34" typeface="Arial"/>
+        <a:buChar char="•"/>
+        <a:defRPr kern="1200" sz="1800">
           <a:solidFill>
             <a:schemeClr val="tx1"/>
           </a:solidFill>
@@ -2868,12 +2754,15 @@
         </a:defRPr>
       </a:lvl4pPr>
       <a:lvl5pPr algn="l" defTabSz="914400" eaLnBrk="1" hangingPunct="1" indent="-228600" latinLnBrk="0" marL="2057400" rtl="0">
+        <a:lnSpc>
+          <a:spcPct val="90000"/>
+        </a:lnSpc>
         <a:spcBef>
-          <a:spcPct val="20000"/>
+          <a:spcPts val="500"/>
         </a:spcBef>
-        <a:buFont charset="0" pitchFamily="34" typeface="Arial"/>
-        <a:buChar char="»"/>
-        <a:defRPr kern="1200" sz="2000">
+        <a:buFont charset="0" panose="020B0604020202020204" pitchFamily="34" typeface="Arial"/>
+        <a:buChar char="•"/>
+        <a:defRPr kern="1200" sz="1800">
           <a:solidFill>
             <a:schemeClr val="tx1"/>
           </a:solidFill>
@@ -2883,12 +2772,15 @@
         </a:defRPr>
       </a:lvl5pPr>
       <a:lvl6pPr algn="l" defTabSz="914400" eaLnBrk="1" hangingPunct="1" indent="-228600" latinLnBrk="0" marL="2514600" rtl="0">
+        <a:lnSpc>
+          <a:spcPct val="90000"/>
+        </a:lnSpc>
         <a:spcBef>
-          <a:spcPct val="20000"/>
+          <a:spcPts val="500"/>
         </a:spcBef>
-        <a:buFont charset="0" pitchFamily="34" typeface="Arial"/>
+        <a:buFont charset="0" panose="020B0604020202020204" pitchFamily="34" typeface="Arial"/>
         <a:buChar char="•"/>
-        <a:defRPr kern="1200" sz="2000">
+        <a:defRPr kern="1200" sz="1800">
           <a:solidFill>
             <a:schemeClr val="tx1"/>
           </a:solidFill>
@@ -2898,12 +2790,15 @@
         </a:defRPr>
       </a:lvl6pPr>
       <a:lvl7pPr algn="l" defTabSz="914400" eaLnBrk="1" hangingPunct="1" indent="-228600" latinLnBrk="0" marL="2971800" rtl="0">
+        <a:lnSpc>
+          <a:spcPct val="90000"/>
+        </a:lnSpc>
         <a:spcBef>
-          <a:spcPct val="20000"/>
+          <a:spcPts val="500"/>
         </a:spcBef>
-        <a:buFont charset="0" pitchFamily="34" typeface="Arial"/>
+        <a:buFont charset="0" panose="020B0604020202020204" pitchFamily="34" typeface="Arial"/>
         <a:buChar char="•"/>
-        <a:defRPr kern="1200" sz="2000">
+        <a:defRPr kern="1200" sz="1800">
           <a:solidFill>
             <a:schemeClr val="tx1"/>
           </a:solidFill>
@@ -2913,12 +2808,15 @@
         </a:defRPr>
       </a:lvl7pPr>
       <a:lvl8pPr algn="l" defTabSz="914400" eaLnBrk="1" hangingPunct="1" indent="-228600" latinLnBrk="0" marL="3429000" rtl="0">
+        <a:lnSpc>
+          <a:spcPct val="90000"/>
+        </a:lnSpc>
         <a:spcBef>
-          <a:spcPct val="20000"/>
+          <a:spcPts val="500"/>
         </a:spcBef>
-        <a:buFont charset="0" pitchFamily="34" typeface="Arial"/>
+        <a:buFont charset="0" panose="020B0604020202020204" pitchFamily="34" typeface="Arial"/>
         <a:buChar char="•"/>
-        <a:defRPr kern="1200" sz="2000">
+        <a:defRPr kern="1200" sz="1800">
           <a:solidFill>
             <a:schemeClr val="tx1"/>
           </a:solidFill>
@@ -2928,12 +2826,15 @@
         </a:defRPr>
       </a:lvl8pPr>
       <a:lvl9pPr algn="l" defTabSz="914400" eaLnBrk="1" hangingPunct="1" indent="-228600" latinLnBrk="0" marL="3886200" rtl="0">
+        <a:lnSpc>
+          <a:spcPct val="90000"/>
+        </a:lnSpc>
         <a:spcBef>
-          <a:spcPct val="20000"/>
+          <a:spcPts val="500"/>
         </a:spcBef>
-        <a:buFont charset="0" pitchFamily="34" typeface="Arial"/>
+        <a:buFont charset="0" panose="020B0604020202020204" pitchFamily="34" typeface="Arial"/>
         <a:buChar char="•"/>
-        <a:defRPr kern="1200" sz="2000">
+        <a:defRPr kern="1200" sz="1800">
           <a:solidFill>
             <a:schemeClr val="tx1"/>
           </a:solidFill>
@@ -3043,6 +2944,217 @@
 </file>
 
 <file path=ppt/slides/slide1.xml><?xml version="1.0" encoding="utf-8"?>
+<p:sld xmlns:a="http://schemas.openxmlformats.org/drawingml/2006/main" xmlns:p="http://schemas.openxmlformats.org/presentationml/2006/main" xmlns:r="http://schemas.openxmlformats.org/officeDocument/2006/relationships">
+  <p:cSld>
+    <p:bg>
+      <p:bgPr>
+        <a:solidFill>
+          <a:srgbClr val="000000"/>
+        </a:solidFill>
+        <a:effectLst/>
+      </p:bgPr>
+    </p:bg>
+    <p:spTree>
+      <p:nvGrpSpPr>
+        <p:cNvPr id="1" name=""/>
+        <p:cNvGrpSpPr/>
+        <p:nvPr/>
+      </p:nvGrpSpPr>
+      <p:grpSpPr>
+        <a:xfrm>
+          <a:off x="0" y="0"/>
+          <a:ext cx="0" cy="0"/>
+          <a:chOff x="0" y="0"/>
+          <a:chExt cx="0" cy="0"/>
+        </a:xfrm>
+      </p:grpSpPr>
+      <p:sp>
+        <p:nvSpPr>
+          <p:cNvPr id="9" name="Rectangle 8">
+            <a:extLst>
+              <a:ext uri="{FF2B5EF4-FFF2-40B4-BE49-F238E27FC236}">
+                <a16:creationId xmlns:a16="http://schemas.microsoft.com/office/drawing/2014/main" id="{71B2258F-86CA-4D4D-8270-BC05FCDEBFB3}"/>
+              </a:ext>
+              <a:ext uri="{C183D7F6-B498-43B3-948B-1728B52AA6E4}">
+                <adec:decorative xmlns:adec="http://schemas.microsoft.com/office/drawing/2017/decorative" val="1"/>
+              </a:ext>
+            </a:extLst>
+          </p:cNvPr>
+          <p:cNvSpPr>
+            <a:spLocks noAdjustHandles="1" noChangeArrowheads="1" noChangeAspect="1" noChangeShapeType="1" noEditPoints="1" noGrp="1" noMove="1" noResize="1" noRot="1" noTextEdit="1"/>
+          </p:cNvSpPr>
+          <p:nvPr>
+            <p:extLst>
+              <p:ext uri="{386F3935-93C4-4BCD-93E2-E3B085C9AB24}">
+                <p16:designElem xmlns:p16="http://schemas.microsoft.com/office/powerpoint/2015/main" val="1"/>
+              </p:ext>
+            </p:extLst>
+          </p:nvPr>
+        </p:nvSpPr>
+        <p:spPr>
+          <a:xfrm>
+            <a:off x="0" y="0"/>
+            <a:ext cx="12192000" cy="6857999"/>
+          </a:xfrm>
+          <a:prstGeom prst="rect">
+            <a:avLst/>
+          </a:prstGeom>
+          <a:solidFill>
+            <a:srgbClr val="000000"/>
+          </a:solidFill>
+          <a:ln>
+            <a:noFill/>
+          </a:ln>
+        </p:spPr>
+        <p:style>
+          <a:lnRef idx="2">
+            <a:schemeClr val="accent1">
+              <a:shade val="50000"/>
+            </a:schemeClr>
+          </a:lnRef>
+          <a:fillRef idx="1">
+            <a:schemeClr val="accent1"/>
+          </a:fillRef>
+          <a:effectRef idx="0">
+            <a:schemeClr val="accent1"/>
+          </a:effectRef>
+          <a:fontRef idx="minor">
+            <a:schemeClr val="lt1"/>
+          </a:fontRef>
+        </p:style>
+        <p:txBody>
+          <a:bodyPr anchor="ctr" rtlCol="0"/>
+          <a:lstStyle/>
+          <a:p>
+            <a:pPr algn="ctr"/>
+            <a:endParaRPr lang="en-US"/>
+          </a:p>
+        </p:txBody>
+      </p:sp>
+      <p:pic>
+        <p:nvPicPr>
+          <p:cNvPr descr="A sunset in the background  Description generated with very high confidence" id="4" name="Picture 4">
+            <a:extLst>
+              <a:ext uri="{FF2B5EF4-FFF2-40B4-BE49-F238E27FC236}">
+                <a16:creationId xmlns:a16="http://schemas.microsoft.com/office/drawing/2014/main" id="{CF3DD122-A988-4896-BE0E-DB7CEDE877D4}"/>
+              </a:ext>
+            </a:extLst>
+          </p:cNvPr>
+          <p:cNvPicPr>
+            <a:picLocks noChangeAspect="1"/>
+          </p:cNvPicPr>
+          <p:nvPr/>
+        </p:nvPicPr>
+        <p:blipFill rotWithShape="1">
+          <a:blip r:embed="rId2">
+            <a:alphaModFix amt="50000"/>
+            <a:extLst/>
+          </a:blip>
+          <a:srcRect/>
+          <a:stretch/>
+        </p:blipFill>
+        <p:spPr>
+          <a:xfrm>
+            <a:off x="20" y="1"/>
+            <a:ext cx="12191980" cy="6857999"/>
+          </a:xfrm>
+          <a:prstGeom prst="rect">
+            <a:avLst/>
+          </a:prstGeom>
+        </p:spPr>
+      </p:pic>
+      <p:sp>
+        <p:nvSpPr>
+          <p:cNvPr id="2" name="Title 1"/>
+          <p:cNvSpPr>
+            <a:spLocks noGrp="1"/>
+          </p:cNvSpPr>
+          <p:nvPr>
+            <p:ph type="ctrTitle"/>
+          </p:nvPr>
+        </p:nvSpPr>
+        <p:spPr>
+          <a:xfrm>
+            <a:off x="1524000" y="1122362"/>
+            <a:ext cx="9144000" cy="2900518"/>
+          </a:xfrm>
+        </p:spPr>
+        <p:txBody>
+          <a:bodyPr>
+            <a:normAutofit/>
+          </a:bodyPr>
+          <a:lstStyle/>
+          <a:p>
+            <a:r>
+              <a:rPr lang="en-US">
+                <a:solidFill>
+                  <a:srgbClr val="FFFFFF"/>
+                </a:solidFill>
+                <a:cs typeface="Calibri Light"/>
+              </a:rPr>
+              <a:t>The Amazing Slideshow</a:t>
+            </a:r>
+            <a:endParaRPr lang="en-US">
+              <a:solidFill>
+                <a:srgbClr val="FFFFFF"/>
+              </a:solidFill>
+            </a:endParaRPr>
+          </a:p>
+        </p:txBody>
+      </p:sp>
+      <p:sp>
+        <p:nvSpPr>
+          <p:cNvPr id="3" name="Subtitle 2"/>
+          <p:cNvSpPr>
+            <a:spLocks noGrp="1"/>
+          </p:cNvSpPr>
+          <p:nvPr>
+            <p:ph idx="1" type="subTitle"/>
+          </p:nvPr>
+        </p:nvSpPr>
+        <p:spPr>
+          <a:xfrm>
+            <a:off x="1524000" y="4159404"/>
+            <a:ext cx="9144000" cy="1098395"/>
+          </a:xfrm>
+        </p:spPr>
+        <p:txBody>
+          <a:bodyPr bIns="45720" lIns="91440" rIns="91440" rtlCol="0" tIns="45720" vert="horz">
+            <a:normAutofit/>
+          </a:bodyPr>
+          <a:lstStyle/>
+          <a:p>
+            <a:r>
+              <a:rPr lang="en-US">
+                <a:solidFill>
+                  <a:srgbClr val="FFFFFF"/>
+                </a:solidFill>
+                <a:cs typeface="Calibri"/>
+              </a:rPr>
+              <a:t>Template file for creating amazing slideshows</a:t>
+            </a:r>
+            <a:endParaRPr lang="en-US">
+              <a:solidFill>
+                <a:srgbClr val="FFFFFF"/>
+              </a:solidFill>
+            </a:endParaRPr>
+          </a:p>
+        </p:txBody>
+      </p:sp>
+    </p:spTree>
+    <p:extLst>
+      <p:ext uri="{BB962C8B-B14F-4D97-AF65-F5344CB8AC3E}">
+        <p14:creationId xmlns:p14="http://schemas.microsoft.com/office/powerpoint/2010/main" val="109857222"/>
+      </p:ext>
+    </p:extLst>
+  </p:cSld>
+  <p:clrMapOvr>
+    <a:overrideClrMapping accent1="accent1" accent2="accent2" accent3="accent3" accent4="accent4" accent5="accent5" accent6="accent6" bg1="dk1" bg2="dk2" folHlink="folHlink" hlink="hlink" tx1="lt1" tx2="lt2"/>
+  </p:clrMapOvr>
+</p:sld>
+</file>
+
+<file path=ppt/slides/slide2.xml><?xml version="1.0" encoding="utf-8"?>
 <p:sld xmlns:p="http://schemas.openxmlformats.org/presentationml/2006/main" xmlns:a="http://schemas.openxmlformats.org/drawingml/2006/main">
   <p:cSld>
     <p:spTree>
@@ -3068,9 +3180,9 @@
 </file>
 
 <file path=ppt/theme/theme1.xml><?xml version="1.0" encoding="utf-8"?>
-<a:theme xmlns:a="http://schemas.openxmlformats.org/drawingml/2006/main" name="Office Theme">
+<a:theme xmlns:a="http://schemas.openxmlformats.org/drawingml/2006/main" name="office theme">
   <a:themeElements>
-    <a:clrScheme name="Office">
+    <a:clrScheme name="Office Theme">
       <a:dk1>
         <a:sysClr lastClr="000000" val="windowText"/>
       </a:dk1>
@@ -3078,39 +3190,39 @@
         <a:sysClr lastClr="FFFFFF" val="window"/>
       </a:lt1>
       <a:dk2>
-        <a:srgbClr val="1F497D"/>
+        <a:srgbClr val="44546A"/>
       </a:dk2>
       <a:lt2>
-        <a:srgbClr val="EEECE1"/>
+        <a:srgbClr val="E7E6E6"/>
       </a:lt2>
       <a:accent1>
-        <a:srgbClr val="4F81BD"/>
+        <a:srgbClr val="5B9BD5"/>
       </a:accent1>
       <a:accent2>
-        <a:srgbClr val="C0504D"/>
+        <a:srgbClr val="ED7D31"/>
       </a:accent2>
       <a:accent3>
-        <a:srgbClr val="9BBB59"/>
+        <a:srgbClr val="A5A5A5"/>
       </a:accent3>
       <a:accent4>
-        <a:srgbClr val="8064A2"/>
+        <a:srgbClr val="FFC000"/>
       </a:accent4>
       <a:accent5>
-        <a:srgbClr val="4BACC6"/>
+        <a:srgbClr val="4472C4"/>
       </a:accent5>
       <a:accent6>
-        <a:srgbClr val="F79646"/>
+        <a:srgbClr val="70AD47"/>
       </a:accent6>
       <a:hlink>
-        <a:srgbClr val="0000FF"/>
+        <a:srgbClr val="0563C1"/>
       </a:hlink>
       <a:folHlink>
-        <a:srgbClr val="800080"/>
+        <a:srgbClr val="954F72"/>
       </a:folHlink>
     </a:clrScheme>
-    <a:fontScheme name="Office">
+    <a:fontScheme name="Office Theme">
       <a:majorFont>
-        <a:latin typeface="Calibri"/>
+        <a:latin panose="020F0302020204030204" typeface="Calibri Light"/>
         <a:ea typeface=""/>
         <a:cs typeface=""/>
         <a:font script="Jpan" typeface="ＭＳ Ｐゴシック"/>
@@ -3142,9 +3254,10 @@
         <a:font script="Mong" typeface="Mongolian Baiti"/>
         <a:font script="Viet" typeface="Times New Roman"/>
         <a:font script="Uigh" typeface="Microsoft Uighur"/>
+        <a:font script="Geor" typeface="Sylfaen"/>
       </a:majorFont>
       <a:minorFont>
-        <a:latin typeface="Calibri"/>
+        <a:latin panose="020F0502020204030204" typeface="Calibri"/>
         <a:ea typeface=""/>
         <a:cs typeface=""/>
         <a:font script="Jpan" typeface="ＭＳ Ｐゴシック"/>
@@ -3176,9 +3289,10 @@
         <a:font script="Mong" typeface="Mongolian Baiti"/>
         <a:font script="Viet" typeface="Arial"/>
         <a:font script="Uigh" typeface="Microsoft Uighur"/>
+        <a:font script="Geor" typeface="Sylfaen"/>
       </a:minorFont>
     </a:fontScheme>
-    <a:fmtScheme name="Office">
+    <a:fmtScheme name="Office Theme">
       <a:fillStyleLst>
         <a:solidFill>
           <a:schemeClr val="phClr"/>
@@ -3187,165 +3301,141 @@
           <a:gsLst>
             <a:gs pos="0">
               <a:schemeClr val="phClr">
-                <a:tint val="50000"/>
-                <a:satMod val="300000"/>
+                <a:lumMod val="110000"/>
+                <a:satMod val="105000"/>
+                <a:tint val="67000"/>
               </a:schemeClr>
             </a:gs>
-            <a:gs pos="35000">
+            <a:gs pos="50000">
               <a:schemeClr val="phClr">
-                <a:tint val="37000"/>
-                <a:satMod val="300000"/>
+                <a:lumMod val="105000"/>
+                <a:satMod val="103000"/>
+                <a:tint val="73000"/>
               </a:schemeClr>
             </a:gs>
             <a:gs pos="100000">
               <a:schemeClr val="phClr">
-                <a:tint val="15000"/>
-                <a:satMod val="350000"/>
+                <a:lumMod val="105000"/>
+                <a:satMod val="109000"/>
+                <a:tint val="81000"/>
               </a:schemeClr>
             </a:gs>
           </a:gsLst>
-          <a:lin ang="16200000" scaled="1"/>
+          <a:lin ang="5400000" scaled="0"/>
         </a:gradFill>
         <a:gradFill rotWithShape="1">
           <a:gsLst>
             <a:gs pos="0">
               <a:schemeClr val="phClr">
-                <a:shade val="51000"/>
-                <a:satMod val="130000"/>
+                <a:satMod val="103000"/>
+                <a:lumMod val="102000"/>
+                <a:tint val="94000"/>
               </a:schemeClr>
             </a:gs>
-            <a:gs pos="80000">
+            <a:gs pos="50000">
               <a:schemeClr val="phClr">
-                <a:shade val="93000"/>
-                <a:satMod val="130000"/>
+                <a:satMod val="110000"/>
+                <a:lumMod val="100000"/>
+                <a:shade val="100000"/>
               </a:schemeClr>
             </a:gs>
             <a:gs pos="100000">
               <a:schemeClr val="phClr">
-                <a:shade val="94000"/>
-                <a:satMod val="135000"/>
+                <a:lumMod val="99000"/>
+                <a:satMod val="120000"/>
+                <a:shade val="78000"/>
               </a:schemeClr>
             </a:gs>
           </a:gsLst>
-          <a:lin ang="16200000" scaled="0"/>
+          <a:lin ang="5400000" scaled="0"/>
         </a:gradFill>
       </a:fillStyleLst>
       <a:lnStyleLst>
-        <a:ln algn="ctr" cap="flat" cmpd="sng" w="9525">
-          <a:solidFill>
-            <a:schemeClr val="phClr">
-              <a:shade val="95000"/>
-              <a:satMod val="105000"/>
-            </a:schemeClr>
-          </a:solidFill>
-          <a:prstDash val="solid"/>
-        </a:ln>
-        <a:ln algn="ctr" cap="flat" cmpd="sng" w="25400">
+        <a:ln algn="ctr" cap="flat" cmpd="sng" w="6350">
           <a:solidFill>
             <a:schemeClr val="phClr"/>
           </a:solidFill>
           <a:prstDash val="solid"/>
+          <a:miter lim="800000"/>
         </a:ln>
-        <a:ln algn="ctr" cap="flat" cmpd="sng" w="38100">
+        <a:ln algn="ctr" cap="flat" cmpd="sng" w="12700">
           <a:solidFill>
             <a:schemeClr val="phClr"/>
           </a:solidFill>
           <a:prstDash val="solid"/>
+          <a:miter lim="800000"/>
+        </a:ln>
+        <a:ln algn="ctr" cap="flat" cmpd="sng" w="19050">
+          <a:solidFill>
+            <a:schemeClr val="phClr"/>
+          </a:solidFill>
+          <a:prstDash val="solid"/>
+          <a:miter lim="800000"/>
         </a:ln>
       </a:lnStyleLst>
       <a:effectStyleLst>
         <a:effectStyle>
+          <a:effectLst/>
+        </a:effectStyle>
+        <a:effectStyle>
+          <a:effectLst/>
+        </a:effectStyle>
+        <a:effectStyle>
           <a:effectLst>
-            <a:outerShdw blurRad="40000" dir="5400000" dist="20000" rotWithShape="0">
+            <a:outerShdw algn="ctr" blurRad="57150" dir="5400000" dist="19050" rotWithShape="0">
               <a:srgbClr val="000000">
-                <a:alpha val="38000"/>
+                <a:alpha val="63000"/>
               </a:srgbClr>
             </a:outerShdw>
           </a:effectLst>
-        </a:effectStyle>
-        <a:effectStyle>
-          <a:effectLst>
-            <a:outerShdw blurRad="40000" dir="5400000" dist="23000" rotWithShape="0">
-              <a:srgbClr val="000000">
-                <a:alpha val="35000"/>
-              </a:srgbClr>
-            </a:outerShdw>
-          </a:effectLst>
-        </a:effectStyle>
-        <a:effectStyle>
-          <a:effectLst>
-            <a:outerShdw blurRad="40000" dir="5400000" dist="23000" rotWithShape="0">
-              <a:srgbClr val="000000">
-                <a:alpha val="35000"/>
-              </a:srgbClr>
-            </a:outerShdw>
-          </a:effectLst>
-          <a:scene3d>
-            <a:camera prst="orthographicFront">
-              <a:rot lat="0" lon="0" rev="0"/>
-            </a:camera>
-            <a:lightRig dir="t" rig="threePt">
-              <a:rot lat="0" lon="0" rev="1200000"/>
-            </a:lightRig>
-          </a:scene3d>
-          <a:sp3d>
-            <a:bevelT h="25400" w="63500"/>
-          </a:sp3d>
         </a:effectStyle>
       </a:effectStyleLst>
       <a:bgFillStyleLst>
         <a:solidFill>
           <a:schemeClr val="phClr"/>
         </a:solidFill>
+        <a:solidFill>
+          <a:schemeClr val="phClr">
+            <a:tint val="95000"/>
+            <a:satMod val="170000"/>
+          </a:schemeClr>
+        </a:solidFill>
         <a:gradFill rotWithShape="1">
           <a:gsLst>
             <a:gs pos="0">
               <a:schemeClr val="phClr">
-                <a:tint val="40000"/>
-                <a:satMod val="350000"/>
+                <a:tint val="93000"/>
+                <a:satMod val="150000"/>
+                <a:shade val="98000"/>
+                <a:lumMod val="102000"/>
               </a:schemeClr>
             </a:gs>
-            <a:gs pos="40000">
+            <a:gs pos="50000">
               <a:schemeClr val="phClr">
-                <a:tint val="45000"/>
-                <a:shade val="99000"/>
-                <a:satMod val="350000"/>
+                <a:tint val="98000"/>
+                <a:satMod val="130000"/>
+                <a:shade val="90000"/>
+                <a:lumMod val="103000"/>
               </a:schemeClr>
             </a:gs>
             <a:gs pos="100000">
               <a:schemeClr val="phClr">
-                <a:shade val="20000"/>
-                <a:satMod val="255000"/>
+                <a:shade val="63000"/>
+                <a:satMod val="120000"/>
               </a:schemeClr>
             </a:gs>
           </a:gsLst>
-          <a:path path="circle">
-            <a:fillToRect b="180000" l="50000" r="50000" t="-80000"/>
-          </a:path>
-        </a:gradFill>
-        <a:gradFill rotWithShape="1">
-          <a:gsLst>
-            <a:gs pos="0">
-              <a:schemeClr val="phClr">
-                <a:tint val="80000"/>
-                <a:satMod val="300000"/>
-              </a:schemeClr>
-            </a:gs>
-            <a:gs pos="100000">
-              <a:schemeClr val="phClr">
-                <a:shade val="30000"/>
-                <a:satMod val="200000"/>
-              </a:schemeClr>
-            </a:gs>
-          </a:gsLst>
-          <a:path path="circle">
-            <a:fillToRect b="50000" l="50000" r="50000" t="50000"/>
-          </a:path>
+          <a:lin ang="5400000" scaled="0"/>
         </a:gradFill>
       </a:bgFillStyleLst>
     </a:fmtScheme>
   </a:themeElements>
   <a:objectDefaults/>
   <a:extraClrSchemeLst/>
+  <a:extLst>
+    <a:ext uri="{05A4C25C-085E-4340-85A3-A5531E510DB2}">
+      <thm15:themeFamily xmlns:thm15="http://schemas.microsoft.com/office/thememl/2012/main" id="{62F939B6-93AF-4DB8-9C6B-D6C7DFDC589F}" name="Office Theme" vid="{4A3C46E8-61CC-4603-A589-7422A47A8E4A}"/>
+    </a:ext>
+  </a:extLst>
 </a:theme>
 </file>
--- a/chris_larson/apache-poi/SampleSS-updated.pptx
+++ b/chris_larson/apache-poi/SampleSS-updated.pptx
@@ -6,7 +6,8 @@
   </p:sldMasterIdLst>
   <p:sldIdLst>
     <p:sldId id="256" r:id="rId2"/>
-    <p:sldId id="257" r:id="rId8"/>
+    <p:sldId id="257" r:id="rId3"/>
+    <p:sldId id="258" r:id="rId9"/>
   </p:sldIdLst>
   <p:sldSz cx="12192000" cy="6858000"/>
   <p:notesSz cx="6858000" cy="9144000"/>
@@ -3155,6 +3156,303 @@
 </file>
 
 <file path=ppt/slides/slide2.xml><?xml version="1.0" encoding="utf-8"?>
+<p:sld xmlns:a="http://schemas.openxmlformats.org/drawingml/2006/main" xmlns:p="http://schemas.openxmlformats.org/presentationml/2006/main" xmlns:r="http://schemas.openxmlformats.org/officeDocument/2006/relationships">
+  <p:cSld>
+    <p:spTree>
+      <p:nvGrpSpPr>
+        <p:cNvPr id="1" name=""/>
+        <p:cNvGrpSpPr/>
+        <p:nvPr/>
+      </p:nvGrpSpPr>
+      <p:grpSpPr>
+        <a:xfrm>
+          <a:off x="0" y="0"/>
+          <a:ext cx="0" cy="0"/>
+          <a:chOff x="0" y="0"/>
+          <a:chExt cx="0" cy="0"/>
+        </a:xfrm>
+      </p:grpSpPr>
+      <p:sp>
+        <p:nvSpPr>
+          <p:cNvPr id="2" name="Title 1">
+            <a:extLst>
+              <a:ext uri="{FF2B5EF4-FFF2-40B4-BE49-F238E27FC236}">
+                <a16:creationId xmlns:a16="http://schemas.microsoft.com/office/drawing/2014/main" id="{83397DDF-BD66-4C16-A8CC-2575CC83B540}"/>
+              </a:ext>
+            </a:extLst>
+          </p:cNvPr>
+          <p:cNvSpPr>
+            <a:spLocks noGrp="1"/>
+          </p:cNvSpPr>
+          <p:nvPr>
+            <p:ph type="title"/>
+          </p:nvPr>
+        </p:nvSpPr>
+        <p:spPr/>
+        <p:txBody>
+          <a:bodyPr/>
+          <a:lstStyle/>
+          <a:p>
+            <a:r>
+              <a:rPr lang="en-US"/>
+              <a:t>Chart Title</a:t>
+            </a:r>
+            <a:endParaRPr lang="en-US"/>
+          </a:p>
+        </p:txBody>
+      </p:sp>
+      <p:graphicFrame>
+        <p:nvGraphicFramePr>
+          <p:cNvPr id="4" name="Table 4">
+            <a:extLst>
+              <a:ext uri="{FF2B5EF4-FFF2-40B4-BE49-F238E27FC236}">
+                <a16:creationId xmlns:a16="http://schemas.microsoft.com/office/drawing/2014/main" id="{87493C5D-7B00-470B-A1DE-2CAE7984A36B}"/>
+              </a:ext>
+            </a:extLst>
+          </p:cNvPr>
+          <p:cNvGraphicFramePr>
+            <a:graphicFrameLocks noGrp="1"/>
+          </p:cNvGraphicFramePr>
+          <p:nvPr>
+            <p:ph idx="1"/>
+          </p:nvPr>
+        </p:nvGraphicFramePr>
+        <p:xfrm>
+          <a:off x="838200" y="1825625"/>
+          <a:ext cx="10515600" cy="1112520"/>
+        </p:xfrm>
+        <a:graphic>
+          <a:graphicData uri="http://schemas.openxmlformats.org/drawingml/2006/table">
+            <a:tbl>
+              <a:tblPr bandRow="1" firstRow="1">
+                <a:tableStyleId>{5C22544A-7EE6-4342-B048-85BDC9FD1C3A}</a:tableStyleId>
+              </a:tblPr>
+              <a:tblGrid>
+                <a:gridCol w="2103120">
+                  <a:extLst>
+                    <a:ext uri="{9D8B030D-6E8A-4147-A177-3AD203B41FA5}">
+                      <a16:colId xmlns:a16="http://schemas.microsoft.com/office/drawing/2014/main" val="1054458835"/>
+                    </a:ext>
+                  </a:extLst>
+                </a:gridCol>
+                <a:gridCol w="2103120">
+                  <a:extLst>
+                    <a:ext uri="{9D8B030D-6E8A-4147-A177-3AD203B41FA5}">
+                      <a16:colId xmlns:a16="http://schemas.microsoft.com/office/drawing/2014/main" val="3954008991"/>
+                    </a:ext>
+                  </a:extLst>
+                </a:gridCol>
+                <a:gridCol w="2103120">
+                  <a:extLst>
+                    <a:ext uri="{9D8B030D-6E8A-4147-A177-3AD203B41FA5}">
+                      <a16:colId xmlns:a16="http://schemas.microsoft.com/office/drawing/2014/main" val="862938651"/>
+                    </a:ext>
+                  </a:extLst>
+                </a:gridCol>
+                <a:gridCol w="2103120">
+                  <a:extLst>
+                    <a:ext uri="{9D8B030D-6E8A-4147-A177-3AD203B41FA5}">
+                      <a16:colId xmlns:a16="http://schemas.microsoft.com/office/drawing/2014/main" val="2208383260"/>
+                    </a:ext>
+                  </a:extLst>
+                </a:gridCol>
+                <a:gridCol w="2103120">
+                  <a:extLst>
+                    <a:ext uri="{9D8B030D-6E8A-4147-A177-3AD203B41FA5}">
+                      <a16:colId xmlns:a16="http://schemas.microsoft.com/office/drawing/2014/main" val="2357091025"/>
+                    </a:ext>
+                  </a:extLst>
+                </a:gridCol>
+              </a:tblGrid>
+              <a:tr h="370840">
+                <a:tc>
+                  <a:txBody>
+                    <a:bodyPr/>
+                    <a:lstStyle/>
+                    <a:p>
+                      <a:endParaRPr lang="en-US"/>
+                    </a:p>
+                  </a:txBody>
+                  <a:tcPr/>
+                </a:tc>
+                <a:tc>
+                  <a:txBody>
+                    <a:bodyPr/>
+                    <a:lstStyle/>
+                    <a:p>
+                      <a:endParaRPr lang="en-US"/>
+                    </a:p>
+                  </a:txBody>
+                  <a:tcPr/>
+                </a:tc>
+                <a:tc>
+                  <a:txBody>
+                    <a:bodyPr/>
+                    <a:lstStyle/>
+                    <a:p>
+                      <a:endParaRPr lang="en-US"/>
+                    </a:p>
+                  </a:txBody>
+                  <a:tcPr/>
+                </a:tc>
+                <a:tc>
+                  <a:txBody>
+                    <a:bodyPr/>
+                    <a:lstStyle/>
+                    <a:p>
+                      <a:endParaRPr lang="en-US"/>
+                    </a:p>
+                  </a:txBody>
+                  <a:tcPr/>
+                </a:tc>
+                <a:tc>
+                  <a:txBody>
+                    <a:bodyPr/>
+                    <a:lstStyle/>
+                    <a:p>
+                      <a:endParaRPr lang="en-US"/>
+                    </a:p>
+                  </a:txBody>
+                  <a:tcPr/>
+                </a:tc>
+                <a:extLst>
+                  <a:ext uri="{0D108BD9-81ED-4DB2-BD59-A6C34878D82A}">
+                    <a16:rowId xmlns:a16="http://schemas.microsoft.com/office/drawing/2014/main" val="4271576525"/>
+                  </a:ext>
+                </a:extLst>
+              </a:tr>
+              <a:tr h="370840">
+                <a:tc>
+                  <a:txBody>
+                    <a:bodyPr/>
+                    <a:lstStyle/>
+                    <a:p>
+                      <a:endParaRPr lang="en-US"/>
+                    </a:p>
+                  </a:txBody>
+                  <a:tcPr/>
+                </a:tc>
+                <a:tc>
+                  <a:txBody>
+                    <a:bodyPr/>
+                    <a:lstStyle/>
+                    <a:p>
+                      <a:endParaRPr lang="en-US"/>
+                    </a:p>
+                  </a:txBody>
+                  <a:tcPr/>
+                </a:tc>
+                <a:tc>
+                  <a:txBody>
+                    <a:bodyPr/>
+                    <a:lstStyle/>
+                    <a:p>
+                      <a:endParaRPr lang="en-US"/>
+                    </a:p>
+                  </a:txBody>
+                  <a:tcPr/>
+                </a:tc>
+                <a:tc>
+                  <a:txBody>
+                    <a:bodyPr/>
+                    <a:lstStyle/>
+                    <a:p>
+                      <a:endParaRPr lang="en-US"/>
+                    </a:p>
+                  </a:txBody>
+                  <a:tcPr/>
+                </a:tc>
+                <a:tc>
+                  <a:txBody>
+                    <a:bodyPr/>
+                    <a:lstStyle/>
+                    <a:p>
+                      <a:endParaRPr lang="en-US"/>
+                    </a:p>
+                  </a:txBody>
+                  <a:tcPr/>
+                </a:tc>
+                <a:extLst>
+                  <a:ext uri="{0D108BD9-81ED-4DB2-BD59-A6C34878D82A}">
+                    <a16:rowId xmlns:a16="http://schemas.microsoft.com/office/drawing/2014/main" val="3840477288"/>
+                  </a:ext>
+                </a:extLst>
+              </a:tr>
+              <a:tr h="370840">
+                <a:tc>
+                  <a:txBody>
+                    <a:bodyPr/>
+                    <a:lstStyle/>
+                    <a:p>
+                      <a:endParaRPr lang="en-US"/>
+                    </a:p>
+                  </a:txBody>
+                  <a:tcPr/>
+                </a:tc>
+                <a:tc>
+                  <a:txBody>
+                    <a:bodyPr/>
+                    <a:lstStyle/>
+                    <a:p>
+                      <a:endParaRPr lang="en-US"/>
+                    </a:p>
+                  </a:txBody>
+                  <a:tcPr/>
+                </a:tc>
+                <a:tc>
+                  <a:txBody>
+                    <a:bodyPr/>
+                    <a:lstStyle/>
+                    <a:p>
+                      <a:endParaRPr lang="en-US"/>
+                    </a:p>
+                  </a:txBody>
+                  <a:tcPr/>
+                </a:tc>
+                <a:tc>
+                  <a:txBody>
+                    <a:bodyPr/>
+                    <a:lstStyle/>
+                    <a:p>
+                      <a:endParaRPr lang="en-US"/>
+                    </a:p>
+                  </a:txBody>
+                  <a:tcPr/>
+                </a:tc>
+                <a:tc>
+                  <a:txBody>
+                    <a:bodyPr/>
+                    <a:lstStyle/>
+                    <a:p>
+                      <a:endParaRPr lang="en-US"/>
+                    </a:p>
+                  </a:txBody>
+                  <a:tcPr/>
+                </a:tc>
+                <a:extLst>
+                  <a:ext uri="{0D108BD9-81ED-4DB2-BD59-A6C34878D82A}">
+                    <a16:rowId xmlns:a16="http://schemas.microsoft.com/office/drawing/2014/main" val="1794059906"/>
+                  </a:ext>
+                </a:extLst>
+              </a:tr>
+            </a:tbl>
+          </a:graphicData>
+        </a:graphic>
+      </p:graphicFrame>
+    </p:spTree>
+    <p:extLst>
+      <p:ext uri="{BB962C8B-B14F-4D97-AF65-F5344CB8AC3E}">
+        <p14:creationId xmlns:p14="http://schemas.microsoft.com/office/powerpoint/2010/main" val="4140730481"/>
+      </p:ext>
+    </p:extLst>
+  </p:cSld>
+  <p:clrMapOvr>
+    <a:masterClrMapping/>
+  </p:clrMapOvr>
+</p:sld>
+</file>
+
+<file path=ppt/slides/slide3.xml><?xml version="1.0" encoding="utf-8"?>
 <p:sld xmlns:p="http://schemas.openxmlformats.org/presentationml/2006/main" xmlns:a="http://schemas.openxmlformats.org/drawingml/2006/main">
   <p:cSld>
     <p:spTree>
@@ -3171,6 +3469,51 @@
           <a:chExt cx="0" cy="0"/>
         </a:xfrm>
       </p:grpSpPr>
+      <p:sp xmlns:r="http://schemas.openxmlformats.org/officeDocument/2006/relationships">
+        <p:nvSpPr>
+          <p:cNvPr id="2" name="Title 1"/>
+          <p:cNvSpPr>
+            <a:spLocks noGrp="1"/>
+          </p:cNvSpPr>
+          <p:nvPr>
+            <p:ph type="title"/>
+          </p:nvPr>
+        </p:nvSpPr>
+        <p:spPr/>
+        <p:txBody>
+          <a:bodyPr/>
+          <a:lstStyle/>
+          <a:p>
+            <a:r>
+              <a:rPr lang="en-US"/>
+              <a:t>New Slide Title</a:t>
+            </a:r>
+            <a:endParaRPr lang="en-US"/>
+          </a:p>
+        </p:txBody>
+      </p:sp>
+      <p:sp xmlns:r="http://schemas.openxmlformats.org/officeDocument/2006/relationships">
+        <p:nvSpPr>
+          <p:cNvPr id="3" name="Content Placeholder 2"/>
+          <p:cNvSpPr>
+            <a:spLocks noGrp="1"/>
+          </p:cNvSpPr>
+          <p:nvPr>
+            <p:ph idx="1"/>
+          </p:nvPr>
+        </p:nvSpPr>
+        <p:spPr/>
+        <p:txBody>
+          <a:bodyPr/>
+          <a:lstStyle/>
+          <a:p>
+            <a:r>
+              <a:rPr lang="en-US"/>
+              <a:t>First Paragraph</a:t>
+            </a:r>
+          </a:p>
+        </p:txBody>
+      </p:sp>
     </p:spTree>
   </p:cSld>
   <p:clrMapOvr>
